--- a/images/logo.pptx
+++ b/images/logo.pptx
@@ -104,6 +104,11 @@
       </a:defRPr>
     </a:lvl9pPr>
   </p:defaultTextStyle>
+  <p:extLst>
+    <p:ext uri="{EFAFB233-063F-42B5-8137-9DF3F51BA10A}">
+      <p15:sldGuideLst xmlns:p15="http://schemas.microsoft.com/office/powerpoint/2012/main"/>
+    </p:ext>
+  </p:extLst>
 </p:presentation>
 </file>
 
@@ -238,7 +243,7 @@
           <a:p>
             <a:fld id="{1FA3CBCB-55C4-4E7C-8FD4-70C0D9700DB9}" type="datetimeFigureOut">
               <a:rPr lang="en-US" smtClean="0"/>
-              <a:t>2/20/2018</a:t>
+              <a:t>2/21/2018</a:t>
             </a:fld>
             <a:endParaRPr lang="en-US"/>
           </a:p>
@@ -408,7 +413,7 @@
           <a:p>
             <a:fld id="{1FA3CBCB-55C4-4E7C-8FD4-70C0D9700DB9}" type="datetimeFigureOut">
               <a:rPr lang="en-US" smtClean="0"/>
-              <a:t>2/20/2018</a:t>
+              <a:t>2/21/2018</a:t>
             </a:fld>
             <a:endParaRPr lang="en-US"/>
           </a:p>
@@ -588,7 +593,7 @@
           <a:p>
             <a:fld id="{1FA3CBCB-55C4-4E7C-8FD4-70C0D9700DB9}" type="datetimeFigureOut">
               <a:rPr lang="en-US" smtClean="0"/>
-              <a:t>2/20/2018</a:t>
+              <a:t>2/21/2018</a:t>
             </a:fld>
             <a:endParaRPr lang="en-US"/>
           </a:p>
@@ -758,7 +763,7 @@
           <a:p>
             <a:fld id="{1FA3CBCB-55C4-4E7C-8FD4-70C0D9700DB9}" type="datetimeFigureOut">
               <a:rPr lang="en-US" smtClean="0"/>
-              <a:t>2/20/2018</a:t>
+              <a:t>2/21/2018</a:t>
             </a:fld>
             <a:endParaRPr lang="en-US"/>
           </a:p>
@@ -1004,7 +1009,7 @@
           <a:p>
             <a:fld id="{1FA3CBCB-55C4-4E7C-8FD4-70C0D9700DB9}" type="datetimeFigureOut">
               <a:rPr lang="en-US" smtClean="0"/>
-              <a:t>2/20/2018</a:t>
+              <a:t>2/21/2018</a:t>
             </a:fld>
             <a:endParaRPr lang="en-US"/>
           </a:p>
@@ -1236,7 +1241,7 @@
           <a:p>
             <a:fld id="{1FA3CBCB-55C4-4E7C-8FD4-70C0D9700DB9}" type="datetimeFigureOut">
               <a:rPr lang="en-US" smtClean="0"/>
-              <a:t>2/20/2018</a:t>
+              <a:t>2/21/2018</a:t>
             </a:fld>
             <a:endParaRPr lang="en-US"/>
           </a:p>
@@ -1603,7 +1608,7 @@
           <a:p>
             <a:fld id="{1FA3CBCB-55C4-4E7C-8FD4-70C0D9700DB9}" type="datetimeFigureOut">
               <a:rPr lang="en-US" smtClean="0"/>
-              <a:t>2/20/2018</a:t>
+              <a:t>2/21/2018</a:t>
             </a:fld>
             <a:endParaRPr lang="en-US"/>
           </a:p>
@@ -1721,7 +1726,7 @@
           <a:p>
             <a:fld id="{1FA3CBCB-55C4-4E7C-8FD4-70C0D9700DB9}" type="datetimeFigureOut">
               <a:rPr lang="en-US" smtClean="0"/>
-              <a:t>2/20/2018</a:t>
+              <a:t>2/21/2018</a:t>
             </a:fld>
             <a:endParaRPr lang="en-US"/>
           </a:p>
@@ -1816,7 +1821,7 @@
           <a:p>
             <a:fld id="{1FA3CBCB-55C4-4E7C-8FD4-70C0D9700DB9}" type="datetimeFigureOut">
               <a:rPr lang="en-US" smtClean="0"/>
-              <a:t>2/20/2018</a:t>
+              <a:t>2/21/2018</a:t>
             </a:fld>
             <a:endParaRPr lang="en-US"/>
           </a:p>
@@ -2093,7 +2098,7 @@
           <a:p>
             <a:fld id="{1FA3CBCB-55C4-4E7C-8FD4-70C0D9700DB9}" type="datetimeFigureOut">
               <a:rPr lang="en-US" smtClean="0"/>
-              <a:t>2/20/2018</a:t>
+              <a:t>2/21/2018</a:t>
             </a:fld>
             <a:endParaRPr lang="en-US"/>
           </a:p>
@@ -2350,7 +2355,7 @@
           <a:p>
             <a:fld id="{1FA3CBCB-55C4-4E7C-8FD4-70C0D9700DB9}" type="datetimeFigureOut">
               <a:rPr lang="en-US" smtClean="0"/>
-              <a:t>2/20/2018</a:t>
+              <a:t>2/21/2018</a:t>
             </a:fld>
             <a:endParaRPr lang="en-US"/>
           </a:p>
@@ -2563,7 +2568,7 @@
           <a:p>
             <a:fld id="{1FA3CBCB-55C4-4E7C-8FD4-70C0D9700DB9}" type="datetimeFigureOut">
               <a:rPr lang="en-US" smtClean="0"/>
-              <a:t>2/20/2018</a:t>
+              <a:t>2/21/2018</a:t>
             </a:fld>
             <a:endParaRPr lang="en-US"/>
           </a:p>
@@ -2968,51 +2973,939 @@
           <a:chExt cx="0" cy="0"/>
         </a:xfrm>
       </p:grpSpPr>
-      <p:sp>
-        <p:nvSpPr>
-          <p:cNvPr id="4" name="TextBox 3"/>
-          <p:cNvSpPr txBox="1"/>
+      <p:grpSp>
+        <p:nvGrpSpPr>
+          <p:cNvPr id="65" name="グループ化 64"/>
+          <p:cNvGrpSpPr/>
           <p:nvPr/>
-        </p:nvSpPr>
-        <p:spPr>
+        </p:nvGrpSpPr>
+        <p:grpSpPr>
           <a:xfrm>
-            <a:off x="2342289" y="2865557"/>
-            <a:ext cx="5903635" cy="1169551"/>
+            <a:off x="919420" y="2935131"/>
+            <a:ext cx="8459891" cy="1585049"/>
+            <a:chOff x="919420" y="2935131"/>
+            <a:chExt cx="8459891" cy="1585049"/>
           </a:xfrm>
-          <a:prstGeom prst="rect">
-            <a:avLst/>
-          </a:prstGeom>
-          <a:noFill/>
-        </p:spPr>
-        <p:txBody>
-          <a:bodyPr wrap="square" rtlCol="0">
-            <a:spAutoFit/>
-          </a:bodyPr>
-          <a:lstStyle/>
-          <a:p>
-            <a:r>
-              <a:rPr lang="en-US" sz="5000" dirty="0" smtClean="0">
+        </p:grpSpPr>
+        <p:sp>
+          <p:nvSpPr>
+            <p:cNvPr id="4" name="TextBox 3"/>
+            <p:cNvSpPr txBox="1"/>
+            <p:nvPr/>
+          </p:nvSpPr>
+          <p:spPr>
+            <a:xfrm>
+              <a:off x="2062808" y="2935131"/>
+              <a:ext cx="5903635" cy="1585049"/>
+            </a:xfrm>
+            <a:prstGeom prst="rect">
+              <a:avLst/>
+            </a:prstGeom>
+            <a:noFill/>
+          </p:spPr>
+          <p:txBody>
+            <a:bodyPr wrap="square" rtlCol="0">
+              <a:spAutoFit/>
+            </a:bodyPr>
+            <a:lstStyle/>
+            <a:p>
+              <a:r>
+                <a:rPr lang="en-US" sz="6900" dirty="0" smtClean="0">
+                  <a:latin typeface="Segoe UI Semibold" panose="020B0702040204020203" pitchFamily="34" charset="0"/>
+                  <a:cs typeface="Segoe UI Semibold" panose="020B0702040204020203" pitchFamily="34" charset="0"/>
+                </a:rPr>
+                <a:t>Masaki </a:t>
+              </a:r>
+              <a:r>
+                <a:rPr lang="en-US" sz="6900" dirty="0" smtClean="0">
+                  <a:latin typeface="Segoe UI Semibold" panose="020B0702040204020203" pitchFamily="34" charset="0"/>
+                  <a:cs typeface="Segoe UI Semibold" panose="020B0702040204020203" pitchFamily="34" charset="0"/>
+                </a:rPr>
+                <a:t>Ogura</a:t>
+              </a:r>
+            </a:p>
+            <a:p>
+              <a:endParaRPr lang="en-US" sz="100" dirty="0" smtClean="0">
                 <a:latin typeface="Segoe UI Semibold" panose="020B0702040204020203" pitchFamily="34" charset="0"/>
                 <a:cs typeface="Segoe UI Semibold" panose="020B0702040204020203" pitchFamily="34" charset="0"/>
-              </a:rPr>
-              <a:t>Masaki Ogura</a:t>
-            </a:r>
-          </a:p>
-          <a:p>
-            <a:r>
-              <a:rPr lang="en-US" sz="2000" dirty="0" smtClean="0">
+              </a:endParaRPr>
+            </a:p>
+            <a:p>
+              <a:endParaRPr lang="en-US" sz="100" dirty="0">
                 <a:latin typeface="Segoe UI Semibold" panose="020B0702040204020203" pitchFamily="34" charset="0"/>
                 <a:cs typeface="Segoe UI Semibold" panose="020B0702040204020203" pitchFamily="34" charset="0"/>
-              </a:rPr>
-              <a:t>Nara Institute of Science and Technology</a:t>
-            </a:r>
-            <a:endParaRPr lang="en-US" sz="2000" dirty="0">
-              <a:latin typeface="Segoe UI Semibold" panose="020B0702040204020203" pitchFamily="34" charset="0"/>
-              <a:cs typeface="Segoe UI Semibold" panose="020B0702040204020203" pitchFamily="34" charset="0"/>
-            </a:endParaRPr>
-          </a:p>
-        </p:txBody>
-      </p:sp>
+              </a:endParaRPr>
+            </a:p>
+            <a:p>
+              <a:endParaRPr lang="en-US" sz="100" dirty="0" smtClean="0">
+                <a:latin typeface="Segoe UI Semibold" panose="020B0702040204020203" pitchFamily="34" charset="0"/>
+                <a:cs typeface="Segoe UI Semibold" panose="020B0702040204020203" pitchFamily="34" charset="0"/>
+              </a:endParaRPr>
+            </a:p>
+            <a:p>
+              <a:endParaRPr lang="en-US" sz="100" dirty="0">
+                <a:latin typeface="Segoe UI Semibold" panose="020B0702040204020203" pitchFamily="34" charset="0"/>
+                <a:cs typeface="Segoe UI Semibold" panose="020B0702040204020203" pitchFamily="34" charset="0"/>
+              </a:endParaRPr>
+            </a:p>
+            <a:p>
+              <a:endParaRPr lang="en-US" sz="100" dirty="0" smtClean="0">
+                <a:latin typeface="Segoe UI Semibold" panose="020B0702040204020203" pitchFamily="34" charset="0"/>
+                <a:cs typeface="Segoe UI Semibold" panose="020B0702040204020203" pitchFamily="34" charset="0"/>
+              </a:endParaRPr>
+            </a:p>
+            <a:p>
+              <a:r>
+                <a:rPr lang="en-US" sz="2400" dirty="0" smtClean="0">
+                  <a:latin typeface="Segoe UI Semibold" panose="020B0702040204020203" pitchFamily="34" charset="0"/>
+                  <a:cs typeface="Segoe UI Semibold" panose="020B0702040204020203" pitchFamily="34" charset="0"/>
+                </a:rPr>
+                <a:t>Control engineering </a:t>
+              </a:r>
+              <a:r>
+                <a:rPr lang="en-US" sz="2400" dirty="0"/>
+                <a:t>+</a:t>
+              </a:r>
+              <a:r>
+                <a:rPr lang="en-US" sz="2400" dirty="0" smtClean="0">
+                  <a:latin typeface="Segoe UI Semibold" panose="020B0702040204020203" pitchFamily="34" charset="0"/>
+                  <a:cs typeface="Segoe UI Semibold" panose="020B0702040204020203" pitchFamily="34" charset="0"/>
+                </a:rPr>
+                <a:t> Complex networks</a:t>
+              </a:r>
+              <a:endParaRPr lang="en-US" sz="2400" dirty="0">
+                <a:latin typeface="Segoe UI Semibold" panose="020B0702040204020203" pitchFamily="34" charset="0"/>
+                <a:cs typeface="Segoe UI Semibold" panose="020B0702040204020203" pitchFamily="34" charset="0"/>
+              </a:endParaRPr>
+            </a:p>
+          </p:txBody>
+        </p:sp>
+        <p:sp>
+          <p:nvSpPr>
+            <p:cNvPr id="2" name="正方形/長方形 1"/>
+            <p:cNvSpPr/>
+            <p:nvPr/>
+          </p:nvSpPr>
+          <p:spPr>
+            <a:xfrm>
+              <a:off x="919420" y="3277491"/>
+              <a:ext cx="652429" cy="343501"/>
+            </a:xfrm>
+            <a:prstGeom prst="rect">
+              <a:avLst/>
+            </a:prstGeom>
+            <a:solidFill>
+              <a:schemeClr val="tx1"/>
+            </a:solidFill>
+            <a:ln>
+              <a:noFill/>
+            </a:ln>
+          </p:spPr>
+          <p:style>
+            <a:lnRef idx="2">
+              <a:schemeClr val="accent1">
+                <a:shade val="50000"/>
+              </a:schemeClr>
+            </a:lnRef>
+            <a:fillRef idx="1">
+              <a:schemeClr val="accent1"/>
+            </a:fillRef>
+            <a:effectRef idx="0">
+              <a:schemeClr val="accent1"/>
+            </a:effectRef>
+            <a:fontRef idx="minor">
+              <a:schemeClr val="lt1"/>
+            </a:fontRef>
+          </p:style>
+          <p:txBody>
+            <a:bodyPr rtlCol="0" anchor="ctr"/>
+            <a:lstStyle/>
+            <a:p>
+              <a:pPr algn="ctr"/>
+              <a:endParaRPr lang="en-US"/>
+            </a:p>
+          </p:txBody>
+        </p:sp>
+        <p:sp>
+          <p:nvSpPr>
+            <p:cNvPr id="5" name="正方形/長方形 4"/>
+            <p:cNvSpPr/>
+            <p:nvPr/>
+          </p:nvSpPr>
+          <p:spPr>
+            <a:xfrm>
+              <a:off x="919420" y="3986939"/>
+              <a:ext cx="652429" cy="343501"/>
+            </a:xfrm>
+            <a:prstGeom prst="rect">
+              <a:avLst/>
+            </a:prstGeom>
+            <a:solidFill>
+              <a:schemeClr val="tx1"/>
+            </a:solidFill>
+            <a:ln>
+              <a:noFill/>
+            </a:ln>
+          </p:spPr>
+          <p:style>
+            <a:lnRef idx="2">
+              <a:schemeClr val="accent1">
+                <a:shade val="50000"/>
+              </a:schemeClr>
+            </a:lnRef>
+            <a:fillRef idx="1">
+              <a:schemeClr val="accent1"/>
+            </a:fillRef>
+            <a:effectRef idx="0">
+              <a:schemeClr val="accent1"/>
+            </a:effectRef>
+            <a:fontRef idx="minor">
+              <a:schemeClr val="lt1"/>
+            </a:fontRef>
+          </p:style>
+          <p:txBody>
+            <a:bodyPr rtlCol="0" anchor="ctr"/>
+            <a:lstStyle/>
+            <a:p>
+              <a:pPr algn="ctr"/>
+              <a:endParaRPr lang="en-US"/>
+            </a:p>
+          </p:txBody>
+        </p:sp>
+        <p:cxnSp>
+          <p:nvCxnSpPr>
+            <p:cNvPr id="6" name="カギ線コネクタ 5"/>
+            <p:cNvCxnSpPr>
+              <a:stCxn id="2" idx="3"/>
+              <a:endCxn id="5" idx="3"/>
+            </p:cNvCxnSpPr>
+            <p:nvPr/>
+          </p:nvCxnSpPr>
+          <p:spPr>
+            <a:xfrm>
+              <a:off x="1571849" y="3449242"/>
+              <a:ext cx="12700" cy="709448"/>
+            </a:xfrm>
+            <a:prstGeom prst="bentConnector3">
+              <a:avLst>
+                <a:gd name="adj1" fmla="val 1800000"/>
+              </a:avLst>
+            </a:prstGeom>
+            <a:ln w="50800">
+              <a:solidFill>
+                <a:schemeClr val="tx1"/>
+              </a:solidFill>
+              <a:tailEnd type="triangle" w="med" len="med"/>
+            </a:ln>
+          </p:spPr>
+          <p:style>
+            <a:lnRef idx="1">
+              <a:schemeClr val="accent1"/>
+            </a:lnRef>
+            <a:fillRef idx="0">
+              <a:schemeClr val="accent1"/>
+            </a:fillRef>
+            <a:effectRef idx="0">
+              <a:schemeClr val="accent1"/>
+            </a:effectRef>
+            <a:fontRef idx="minor">
+              <a:schemeClr val="tx1"/>
+            </a:fontRef>
+          </p:style>
+        </p:cxnSp>
+        <p:cxnSp>
+          <p:nvCxnSpPr>
+            <p:cNvPr id="7" name="カギ線コネクタ 6"/>
+            <p:cNvCxnSpPr>
+              <a:stCxn id="5" idx="1"/>
+              <a:endCxn id="2" idx="1"/>
+            </p:cNvCxnSpPr>
+            <p:nvPr/>
+          </p:nvCxnSpPr>
+          <p:spPr>
+            <a:xfrm rot="10800000">
+              <a:off x="919420" y="3449243"/>
+              <a:ext cx="12700" cy="709448"/>
+            </a:xfrm>
+            <a:prstGeom prst="bentConnector3">
+              <a:avLst>
+                <a:gd name="adj1" fmla="val 1800000"/>
+              </a:avLst>
+            </a:prstGeom>
+            <a:ln w="50800">
+              <a:solidFill>
+                <a:schemeClr val="tx1"/>
+              </a:solidFill>
+              <a:tailEnd type="triangle" w="med" len="med"/>
+            </a:ln>
+          </p:spPr>
+          <p:style>
+            <a:lnRef idx="1">
+              <a:schemeClr val="accent1"/>
+            </a:lnRef>
+            <a:fillRef idx="0">
+              <a:schemeClr val="accent1"/>
+            </a:fillRef>
+            <a:effectRef idx="0">
+              <a:schemeClr val="accent1"/>
+            </a:effectRef>
+            <a:fontRef idx="minor">
+              <a:schemeClr val="tx1"/>
+            </a:fontRef>
+          </p:style>
+        </p:cxnSp>
+        <p:grpSp>
+          <p:nvGrpSpPr>
+            <p:cNvPr id="32" name="グループ化 31"/>
+            <p:cNvGrpSpPr>
+              <a:grpSpLocks noChangeAspect="1"/>
+            </p:cNvGrpSpPr>
+            <p:nvPr/>
+          </p:nvGrpSpPr>
+          <p:grpSpPr>
+            <a:xfrm>
+              <a:off x="8067020" y="3283653"/>
+              <a:ext cx="1312291" cy="1040624"/>
+              <a:chOff x="7494673" y="3011304"/>
+              <a:chExt cx="1443520" cy="1144686"/>
+            </a:xfrm>
+          </p:grpSpPr>
+          <p:sp>
+            <p:nvSpPr>
+              <p:cNvPr id="11" name="楕円 10"/>
+              <p:cNvSpPr>
+                <a:spLocks noChangeAspect="1"/>
+              </p:cNvSpPr>
+              <p:nvPr/>
+            </p:nvSpPr>
+            <p:spPr>
+              <a:xfrm>
+                <a:off x="8667349" y="3136201"/>
+                <a:ext cx="56979" cy="56979"/>
+              </a:xfrm>
+              <a:prstGeom prst="ellipse">
+                <a:avLst/>
+              </a:prstGeom>
+              <a:solidFill>
+                <a:schemeClr val="tx1"/>
+              </a:solidFill>
+              <a:ln>
+                <a:noFill/>
+              </a:ln>
+            </p:spPr>
+            <p:style>
+              <a:lnRef idx="2">
+                <a:schemeClr val="accent1">
+                  <a:shade val="50000"/>
+                </a:schemeClr>
+              </a:lnRef>
+              <a:fillRef idx="1">
+                <a:schemeClr val="accent1"/>
+              </a:fillRef>
+              <a:effectRef idx="0">
+                <a:schemeClr val="accent1"/>
+              </a:effectRef>
+              <a:fontRef idx="minor">
+                <a:schemeClr val="lt1"/>
+              </a:fontRef>
+            </p:style>
+            <p:txBody>
+              <a:bodyPr rtlCol="0" anchor="ctr"/>
+              <a:lstStyle/>
+              <a:p>
+                <a:pPr algn="ctr"/>
+                <a:endParaRPr lang="en-US"/>
+              </a:p>
+            </p:txBody>
+          </p:sp>
+          <p:sp>
+            <p:nvSpPr>
+              <p:cNvPr id="12" name="楕円 11"/>
+              <p:cNvSpPr>
+                <a:spLocks noChangeAspect="1"/>
+              </p:cNvSpPr>
+              <p:nvPr/>
+            </p:nvSpPr>
+            <p:spPr>
+              <a:xfrm>
+                <a:off x="8379349" y="3712671"/>
+                <a:ext cx="56979" cy="56979"/>
+              </a:xfrm>
+              <a:prstGeom prst="ellipse">
+                <a:avLst/>
+              </a:prstGeom>
+              <a:solidFill>
+                <a:schemeClr val="tx1"/>
+              </a:solidFill>
+              <a:ln>
+                <a:noFill/>
+              </a:ln>
+            </p:spPr>
+            <p:style>
+              <a:lnRef idx="2">
+                <a:schemeClr val="accent1">
+                  <a:shade val="50000"/>
+                </a:schemeClr>
+              </a:lnRef>
+              <a:fillRef idx="1">
+                <a:schemeClr val="accent1"/>
+              </a:fillRef>
+              <a:effectRef idx="0">
+                <a:schemeClr val="accent1"/>
+              </a:effectRef>
+              <a:fontRef idx="minor">
+                <a:schemeClr val="lt1"/>
+              </a:fontRef>
+            </p:style>
+            <p:txBody>
+              <a:bodyPr rtlCol="0" anchor="ctr"/>
+              <a:lstStyle/>
+              <a:p>
+                <a:pPr algn="ctr"/>
+                <a:endParaRPr lang="en-US"/>
+              </a:p>
+            </p:txBody>
+          </p:sp>
+          <p:sp>
+            <p:nvSpPr>
+              <p:cNvPr id="13" name="楕円 12"/>
+              <p:cNvSpPr>
+                <a:spLocks noChangeAspect="1"/>
+              </p:cNvSpPr>
+              <p:nvPr/>
+            </p:nvSpPr>
+            <p:spPr>
+              <a:xfrm>
+                <a:off x="8811349" y="4036766"/>
+                <a:ext cx="56979" cy="56979"/>
+              </a:xfrm>
+              <a:prstGeom prst="ellipse">
+                <a:avLst/>
+              </a:prstGeom>
+              <a:solidFill>
+                <a:schemeClr val="tx1"/>
+              </a:solidFill>
+              <a:ln>
+                <a:noFill/>
+              </a:ln>
+            </p:spPr>
+            <p:style>
+              <a:lnRef idx="2">
+                <a:schemeClr val="accent1">
+                  <a:shade val="50000"/>
+                </a:schemeClr>
+              </a:lnRef>
+              <a:fillRef idx="1">
+                <a:schemeClr val="accent1"/>
+              </a:fillRef>
+              <a:effectRef idx="0">
+                <a:schemeClr val="accent1"/>
+              </a:effectRef>
+              <a:fontRef idx="minor">
+                <a:schemeClr val="lt1"/>
+              </a:fontRef>
+            </p:style>
+            <p:txBody>
+              <a:bodyPr rtlCol="0" anchor="ctr"/>
+              <a:lstStyle/>
+              <a:p>
+                <a:pPr algn="ctr"/>
+                <a:endParaRPr lang="en-US"/>
+              </a:p>
+            </p:txBody>
+          </p:sp>
+          <p:sp>
+            <p:nvSpPr>
+              <p:cNvPr id="14" name="楕円 13"/>
+              <p:cNvSpPr>
+                <a:spLocks noChangeAspect="1"/>
+              </p:cNvSpPr>
+              <p:nvPr/>
+            </p:nvSpPr>
+            <p:spPr>
+              <a:xfrm>
+                <a:off x="7610185" y="3955488"/>
+                <a:ext cx="56979" cy="56979"/>
+              </a:xfrm>
+              <a:prstGeom prst="ellipse">
+                <a:avLst/>
+              </a:prstGeom>
+              <a:solidFill>
+                <a:schemeClr val="tx1"/>
+              </a:solidFill>
+              <a:ln>
+                <a:noFill/>
+              </a:ln>
+            </p:spPr>
+            <p:style>
+              <a:lnRef idx="2">
+                <a:schemeClr val="accent1">
+                  <a:shade val="50000"/>
+                </a:schemeClr>
+              </a:lnRef>
+              <a:fillRef idx="1">
+                <a:schemeClr val="accent1"/>
+              </a:fillRef>
+              <a:effectRef idx="0">
+                <a:schemeClr val="accent1"/>
+              </a:effectRef>
+              <a:fontRef idx="minor">
+                <a:schemeClr val="lt1"/>
+              </a:fontRef>
+            </p:style>
+            <p:txBody>
+              <a:bodyPr rtlCol="0" anchor="ctr"/>
+              <a:lstStyle/>
+              <a:p>
+                <a:pPr algn="ctr"/>
+                <a:endParaRPr lang="en-US"/>
+              </a:p>
+            </p:txBody>
+          </p:sp>
+          <p:sp>
+            <p:nvSpPr>
+              <p:cNvPr id="15" name="楕円 14"/>
+              <p:cNvSpPr>
+                <a:spLocks noChangeAspect="1"/>
+              </p:cNvSpPr>
+              <p:nvPr/>
+            </p:nvSpPr>
+            <p:spPr>
+              <a:xfrm>
+                <a:off x="7785239" y="3134436"/>
+                <a:ext cx="56979" cy="56979"/>
+              </a:xfrm>
+              <a:prstGeom prst="ellipse">
+                <a:avLst/>
+              </a:prstGeom>
+              <a:solidFill>
+                <a:schemeClr val="tx1"/>
+              </a:solidFill>
+              <a:ln>
+                <a:noFill/>
+              </a:ln>
+            </p:spPr>
+            <p:style>
+              <a:lnRef idx="2">
+                <a:schemeClr val="accent1">
+                  <a:shade val="50000"/>
+                </a:schemeClr>
+              </a:lnRef>
+              <a:fillRef idx="1">
+                <a:schemeClr val="accent1"/>
+              </a:fillRef>
+              <a:effectRef idx="0">
+                <a:schemeClr val="accent1"/>
+              </a:effectRef>
+              <a:fontRef idx="minor">
+                <a:schemeClr val="lt1"/>
+              </a:fontRef>
+            </p:style>
+            <p:txBody>
+              <a:bodyPr rtlCol="0" anchor="ctr"/>
+              <a:lstStyle/>
+              <a:p>
+                <a:pPr algn="ctr"/>
+                <a:endParaRPr lang="en-US"/>
+              </a:p>
+            </p:txBody>
+          </p:sp>
+          <p:cxnSp>
+            <p:nvCxnSpPr>
+              <p:cNvPr id="17" name="直線コネクタ 16"/>
+              <p:cNvCxnSpPr>
+                <a:stCxn id="12" idx="7"/>
+                <a:endCxn id="11" idx="3"/>
+              </p:cNvCxnSpPr>
+              <p:nvPr/>
+            </p:nvCxnSpPr>
+            <p:spPr>
+              <a:xfrm flipV="1">
+                <a:off x="8427984" y="3184836"/>
+                <a:ext cx="247709" cy="536179"/>
+              </a:xfrm>
+              <a:prstGeom prst="line">
+                <a:avLst/>
+              </a:prstGeom>
+              <a:ln w="63500">
+                <a:solidFill>
+                  <a:schemeClr val="tx1"/>
+                </a:solidFill>
+                <a:prstDash val="sysDot"/>
+              </a:ln>
+            </p:spPr>
+            <p:style>
+              <a:lnRef idx="1">
+                <a:schemeClr val="accent1"/>
+              </a:lnRef>
+              <a:fillRef idx="0">
+                <a:schemeClr val="accent1"/>
+              </a:fillRef>
+              <a:effectRef idx="0">
+                <a:schemeClr val="accent1"/>
+              </a:effectRef>
+              <a:fontRef idx="minor">
+                <a:schemeClr val="tx1"/>
+              </a:fontRef>
+            </p:style>
+          </p:cxnSp>
+          <p:cxnSp>
+            <p:nvCxnSpPr>
+              <p:cNvPr id="18" name="直線コネクタ 17"/>
+              <p:cNvCxnSpPr>
+                <a:stCxn id="12" idx="1"/>
+                <a:endCxn id="15" idx="1"/>
+              </p:cNvCxnSpPr>
+              <p:nvPr/>
+            </p:nvCxnSpPr>
+            <p:spPr>
+              <a:xfrm flipH="1" flipV="1">
+                <a:off x="7793583" y="3142780"/>
+                <a:ext cx="594110" cy="578235"/>
+              </a:xfrm>
+              <a:prstGeom prst="line">
+                <a:avLst/>
+              </a:prstGeom>
+              <a:ln w="53975">
+                <a:solidFill>
+                  <a:schemeClr val="tx1"/>
+                </a:solidFill>
+              </a:ln>
+            </p:spPr>
+            <p:style>
+              <a:lnRef idx="1">
+                <a:schemeClr val="accent1"/>
+              </a:lnRef>
+              <a:fillRef idx="0">
+                <a:schemeClr val="accent1"/>
+              </a:fillRef>
+              <a:effectRef idx="0">
+                <a:schemeClr val="accent1"/>
+              </a:effectRef>
+              <a:fontRef idx="minor">
+                <a:schemeClr val="tx1"/>
+              </a:fontRef>
+            </p:style>
+          </p:cxnSp>
+          <p:cxnSp>
+            <p:nvCxnSpPr>
+              <p:cNvPr id="21" name="直線コネクタ 20"/>
+              <p:cNvCxnSpPr>
+                <a:stCxn id="13" idx="7"/>
+                <a:endCxn id="12" idx="5"/>
+              </p:cNvCxnSpPr>
+              <p:nvPr/>
+            </p:nvCxnSpPr>
+            <p:spPr>
+              <a:xfrm flipH="1" flipV="1">
+                <a:off x="8427984" y="3761306"/>
+                <a:ext cx="432000" cy="283804"/>
+              </a:xfrm>
+              <a:prstGeom prst="line">
+                <a:avLst/>
+              </a:prstGeom>
+              <a:ln w="44450">
+                <a:solidFill>
+                  <a:schemeClr val="tx1"/>
+                </a:solidFill>
+              </a:ln>
+            </p:spPr>
+            <p:style>
+              <a:lnRef idx="1">
+                <a:schemeClr val="accent1"/>
+              </a:lnRef>
+              <a:fillRef idx="0">
+                <a:schemeClr val="accent1"/>
+              </a:fillRef>
+              <a:effectRef idx="0">
+                <a:schemeClr val="accent1"/>
+              </a:effectRef>
+              <a:fontRef idx="minor">
+                <a:schemeClr val="tx1"/>
+              </a:fontRef>
+            </p:style>
+          </p:cxnSp>
+          <p:cxnSp>
+            <p:nvCxnSpPr>
+              <p:cNvPr id="24" name="直線コネクタ 23"/>
+              <p:cNvCxnSpPr>
+                <a:stCxn id="14" idx="7"/>
+                <a:endCxn id="12" idx="2"/>
+              </p:cNvCxnSpPr>
+              <p:nvPr/>
+            </p:nvCxnSpPr>
+            <p:spPr>
+              <a:xfrm flipV="1">
+                <a:off x="7658820" y="3741161"/>
+                <a:ext cx="720529" cy="222671"/>
+              </a:xfrm>
+              <a:prstGeom prst="line">
+                <a:avLst/>
+              </a:prstGeom>
+              <a:ln w="63500">
+                <a:solidFill>
+                  <a:schemeClr val="tx1"/>
+                </a:solidFill>
+                <a:prstDash val="sysDot"/>
+              </a:ln>
+            </p:spPr>
+            <p:style>
+              <a:lnRef idx="1">
+                <a:schemeClr val="accent1"/>
+              </a:lnRef>
+              <a:fillRef idx="0">
+                <a:schemeClr val="accent1"/>
+              </a:fillRef>
+              <a:effectRef idx="0">
+                <a:schemeClr val="accent1"/>
+              </a:effectRef>
+              <a:fontRef idx="minor">
+                <a:schemeClr val="tx1"/>
+              </a:fontRef>
+            </p:style>
+          </p:cxnSp>
+          <p:sp>
+            <p:nvSpPr>
+              <p:cNvPr id="27" name="楕円 26"/>
+              <p:cNvSpPr>
+                <a:spLocks noChangeAspect="1"/>
+              </p:cNvSpPr>
+              <p:nvPr/>
+            </p:nvSpPr>
+            <p:spPr>
+              <a:xfrm>
+                <a:off x="8606425" y="3067657"/>
+                <a:ext cx="178827" cy="178827"/>
+              </a:xfrm>
+              <a:prstGeom prst="ellipse">
+                <a:avLst/>
+              </a:prstGeom>
+              <a:solidFill>
+                <a:schemeClr val="tx1"/>
+              </a:solidFill>
+              <a:ln>
+                <a:noFill/>
+              </a:ln>
+            </p:spPr>
+            <p:style>
+              <a:lnRef idx="2">
+                <a:schemeClr val="accent1">
+                  <a:shade val="50000"/>
+                </a:schemeClr>
+              </a:lnRef>
+              <a:fillRef idx="1">
+                <a:schemeClr val="accent1"/>
+              </a:fillRef>
+              <a:effectRef idx="0">
+                <a:schemeClr val="accent1"/>
+              </a:effectRef>
+              <a:fontRef idx="minor">
+                <a:schemeClr val="lt1"/>
+              </a:fontRef>
+            </p:style>
+            <p:txBody>
+              <a:bodyPr rtlCol="0" anchor="ctr"/>
+              <a:lstStyle/>
+              <a:p>
+                <a:pPr algn="ctr"/>
+                <a:endParaRPr lang="en-US"/>
+              </a:p>
+            </p:txBody>
+          </p:sp>
+          <p:sp>
+            <p:nvSpPr>
+              <p:cNvPr id="28" name="楕円 27"/>
+              <p:cNvSpPr>
+                <a:spLocks noChangeAspect="1"/>
+              </p:cNvSpPr>
+              <p:nvPr/>
+            </p:nvSpPr>
+            <p:spPr>
+              <a:xfrm>
+                <a:off x="8197006" y="3522708"/>
+                <a:ext cx="421664" cy="421664"/>
+              </a:xfrm>
+              <a:prstGeom prst="ellipse">
+                <a:avLst/>
+              </a:prstGeom>
+              <a:solidFill>
+                <a:schemeClr val="tx1"/>
+              </a:solidFill>
+              <a:ln>
+                <a:noFill/>
+              </a:ln>
+            </p:spPr>
+            <p:style>
+              <a:lnRef idx="2">
+                <a:schemeClr val="accent1">
+                  <a:shade val="50000"/>
+                </a:schemeClr>
+              </a:lnRef>
+              <a:fillRef idx="1">
+                <a:schemeClr val="accent1"/>
+              </a:fillRef>
+              <a:effectRef idx="0">
+                <a:schemeClr val="accent1"/>
+              </a:effectRef>
+              <a:fontRef idx="minor">
+                <a:schemeClr val="lt1"/>
+              </a:fontRef>
+            </p:style>
+            <p:txBody>
+              <a:bodyPr rtlCol="0" anchor="ctr"/>
+              <a:lstStyle/>
+              <a:p>
+                <a:pPr algn="ctr"/>
+                <a:endParaRPr lang="en-US"/>
+              </a:p>
+            </p:txBody>
+          </p:sp>
+          <p:sp>
+            <p:nvSpPr>
+              <p:cNvPr id="29" name="楕円 28"/>
+              <p:cNvSpPr>
+                <a:spLocks noChangeAspect="1"/>
+              </p:cNvSpPr>
+              <p:nvPr/>
+            </p:nvSpPr>
+            <p:spPr>
+              <a:xfrm>
+                <a:off x="8741483" y="3959280"/>
+                <a:ext cx="196710" cy="196710"/>
+              </a:xfrm>
+              <a:prstGeom prst="ellipse">
+                <a:avLst/>
+              </a:prstGeom>
+              <a:solidFill>
+                <a:schemeClr val="tx1"/>
+              </a:solidFill>
+              <a:ln>
+                <a:noFill/>
+              </a:ln>
+            </p:spPr>
+            <p:style>
+              <a:lnRef idx="2">
+                <a:schemeClr val="accent1">
+                  <a:shade val="50000"/>
+                </a:schemeClr>
+              </a:lnRef>
+              <a:fillRef idx="1">
+                <a:schemeClr val="accent1"/>
+              </a:fillRef>
+              <a:effectRef idx="0">
+                <a:schemeClr val="accent1"/>
+              </a:effectRef>
+              <a:fontRef idx="minor">
+                <a:schemeClr val="lt1"/>
+              </a:fontRef>
+            </p:style>
+            <p:txBody>
+              <a:bodyPr rtlCol="0" anchor="ctr"/>
+              <a:lstStyle/>
+              <a:p>
+                <a:pPr algn="ctr"/>
+                <a:endParaRPr lang="en-US"/>
+              </a:p>
+            </p:txBody>
+          </p:sp>
+          <p:sp>
+            <p:nvSpPr>
+              <p:cNvPr id="30" name="楕円 29"/>
+              <p:cNvSpPr>
+                <a:spLocks noChangeAspect="1"/>
+              </p:cNvSpPr>
+              <p:nvPr/>
+            </p:nvSpPr>
+            <p:spPr>
+              <a:xfrm>
+                <a:off x="7494673" y="3832356"/>
+                <a:ext cx="288003" cy="288003"/>
+              </a:xfrm>
+              <a:prstGeom prst="ellipse">
+                <a:avLst/>
+              </a:prstGeom>
+              <a:solidFill>
+                <a:schemeClr val="tx1"/>
+              </a:solidFill>
+              <a:ln>
+                <a:noFill/>
+              </a:ln>
+            </p:spPr>
+            <p:style>
+              <a:lnRef idx="2">
+                <a:schemeClr val="accent1">
+                  <a:shade val="50000"/>
+                </a:schemeClr>
+              </a:lnRef>
+              <a:fillRef idx="1">
+                <a:schemeClr val="accent1"/>
+              </a:fillRef>
+              <a:effectRef idx="0">
+                <a:schemeClr val="accent1"/>
+              </a:effectRef>
+              <a:fontRef idx="minor">
+                <a:schemeClr val="lt1"/>
+              </a:fontRef>
+            </p:style>
+            <p:txBody>
+              <a:bodyPr rtlCol="0" anchor="ctr"/>
+              <a:lstStyle/>
+              <a:p>
+                <a:pPr algn="ctr"/>
+                <a:endParaRPr lang="en-US"/>
+              </a:p>
+            </p:txBody>
+          </p:sp>
+          <p:sp>
+            <p:nvSpPr>
+              <p:cNvPr id="31" name="楕円 30"/>
+              <p:cNvSpPr>
+                <a:spLocks noChangeAspect="1"/>
+              </p:cNvSpPr>
+              <p:nvPr/>
+            </p:nvSpPr>
+            <p:spPr>
+              <a:xfrm>
+                <a:off x="7669727" y="3011304"/>
+                <a:ext cx="288003" cy="288003"/>
+              </a:xfrm>
+              <a:prstGeom prst="ellipse">
+                <a:avLst/>
+              </a:prstGeom>
+              <a:solidFill>
+                <a:schemeClr val="tx1"/>
+              </a:solidFill>
+              <a:ln>
+                <a:noFill/>
+              </a:ln>
+            </p:spPr>
+            <p:style>
+              <a:lnRef idx="2">
+                <a:schemeClr val="accent1">
+                  <a:shade val="50000"/>
+                </a:schemeClr>
+              </a:lnRef>
+              <a:fillRef idx="1">
+                <a:schemeClr val="accent1"/>
+              </a:fillRef>
+              <a:effectRef idx="0">
+                <a:schemeClr val="accent1"/>
+              </a:effectRef>
+              <a:fontRef idx="minor">
+                <a:schemeClr val="lt1"/>
+              </a:fontRef>
+            </p:style>
+            <p:txBody>
+              <a:bodyPr rtlCol="0" anchor="ctr"/>
+              <a:lstStyle/>
+              <a:p>
+                <a:pPr algn="ctr"/>
+                <a:endParaRPr lang="en-US"/>
+              </a:p>
+            </p:txBody>
+          </p:sp>
+        </p:grpSp>
+      </p:grpSp>
     </p:spTree>
     <p:extLst>
       <p:ext uri="{BB962C8B-B14F-4D97-AF65-F5344CB8AC3E}">

--- a/images/logo.pptx
+++ b/images/logo.pptx
@@ -243,7 +243,7 @@
           <a:p>
             <a:fld id="{1FA3CBCB-55C4-4E7C-8FD4-70C0D9700DB9}" type="datetimeFigureOut">
               <a:rPr lang="en-US" smtClean="0"/>
-              <a:t>2/21/2018</a:t>
+              <a:t>2/22/2018</a:t>
             </a:fld>
             <a:endParaRPr lang="en-US"/>
           </a:p>
@@ -413,7 +413,7 @@
           <a:p>
             <a:fld id="{1FA3CBCB-55C4-4E7C-8FD4-70C0D9700DB9}" type="datetimeFigureOut">
               <a:rPr lang="en-US" smtClean="0"/>
-              <a:t>2/21/2018</a:t>
+              <a:t>2/22/2018</a:t>
             </a:fld>
             <a:endParaRPr lang="en-US"/>
           </a:p>
@@ -593,7 +593,7 @@
           <a:p>
             <a:fld id="{1FA3CBCB-55C4-4E7C-8FD4-70C0D9700DB9}" type="datetimeFigureOut">
               <a:rPr lang="en-US" smtClean="0"/>
-              <a:t>2/21/2018</a:t>
+              <a:t>2/22/2018</a:t>
             </a:fld>
             <a:endParaRPr lang="en-US"/>
           </a:p>
@@ -763,7 +763,7 @@
           <a:p>
             <a:fld id="{1FA3CBCB-55C4-4E7C-8FD4-70C0D9700DB9}" type="datetimeFigureOut">
               <a:rPr lang="en-US" smtClean="0"/>
-              <a:t>2/21/2018</a:t>
+              <a:t>2/22/2018</a:t>
             </a:fld>
             <a:endParaRPr lang="en-US"/>
           </a:p>
@@ -1009,7 +1009,7 @@
           <a:p>
             <a:fld id="{1FA3CBCB-55C4-4E7C-8FD4-70C0D9700DB9}" type="datetimeFigureOut">
               <a:rPr lang="en-US" smtClean="0"/>
-              <a:t>2/21/2018</a:t>
+              <a:t>2/22/2018</a:t>
             </a:fld>
             <a:endParaRPr lang="en-US"/>
           </a:p>
@@ -1241,7 +1241,7 @@
           <a:p>
             <a:fld id="{1FA3CBCB-55C4-4E7C-8FD4-70C0D9700DB9}" type="datetimeFigureOut">
               <a:rPr lang="en-US" smtClean="0"/>
-              <a:t>2/21/2018</a:t>
+              <a:t>2/22/2018</a:t>
             </a:fld>
             <a:endParaRPr lang="en-US"/>
           </a:p>
@@ -1608,7 +1608,7 @@
           <a:p>
             <a:fld id="{1FA3CBCB-55C4-4E7C-8FD4-70C0D9700DB9}" type="datetimeFigureOut">
               <a:rPr lang="en-US" smtClean="0"/>
-              <a:t>2/21/2018</a:t>
+              <a:t>2/22/2018</a:t>
             </a:fld>
             <a:endParaRPr lang="en-US"/>
           </a:p>
@@ -1726,7 +1726,7 @@
           <a:p>
             <a:fld id="{1FA3CBCB-55C4-4E7C-8FD4-70C0D9700DB9}" type="datetimeFigureOut">
               <a:rPr lang="en-US" smtClean="0"/>
-              <a:t>2/21/2018</a:t>
+              <a:t>2/22/2018</a:t>
             </a:fld>
             <a:endParaRPr lang="en-US"/>
           </a:p>
@@ -1821,7 +1821,7 @@
           <a:p>
             <a:fld id="{1FA3CBCB-55C4-4E7C-8FD4-70C0D9700DB9}" type="datetimeFigureOut">
               <a:rPr lang="en-US" smtClean="0"/>
-              <a:t>2/21/2018</a:t>
+              <a:t>2/22/2018</a:t>
             </a:fld>
             <a:endParaRPr lang="en-US"/>
           </a:p>
@@ -2098,7 +2098,7 @@
           <a:p>
             <a:fld id="{1FA3CBCB-55C4-4E7C-8FD4-70C0D9700DB9}" type="datetimeFigureOut">
               <a:rPr lang="en-US" smtClean="0"/>
-              <a:t>2/21/2018</a:t>
+              <a:t>2/22/2018</a:t>
             </a:fld>
             <a:endParaRPr lang="en-US"/>
           </a:p>
@@ -2355,7 +2355,7 @@
           <a:p>
             <a:fld id="{1FA3CBCB-55C4-4E7C-8FD4-70C0D9700DB9}" type="datetimeFigureOut">
               <a:rPr lang="en-US" smtClean="0"/>
-              <a:t>2/21/2018</a:t>
+              <a:t>2/22/2018</a:t>
             </a:fld>
             <a:endParaRPr lang="en-US"/>
           </a:p>
@@ -2568,7 +2568,7 @@
           <a:p>
             <a:fld id="{1FA3CBCB-55C4-4E7C-8FD4-70C0D9700DB9}" type="datetimeFigureOut">
               <a:rPr lang="en-US" smtClean="0"/>
-              <a:t>2/21/2018</a:t>
+              <a:t>2/22/2018</a:t>
             </a:fld>
             <a:endParaRPr lang="en-US"/>
           </a:p>
@@ -2975,315 +2975,112 @@
       </p:grpSpPr>
       <p:grpSp>
         <p:nvGrpSpPr>
-          <p:cNvPr id="65" name="グループ化 64"/>
+          <p:cNvPr id="8" name="グループ化 7"/>
           <p:cNvGrpSpPr/>
           <p:nvPr/>
         </p:nvGrpSpPr>
         <p:grpSpPr>
           <a:xfrm>
             <a:off x="919420" y="2935131"/>
-            <a:ext cx="8459891" cy="1585049"/>
+            <a:ext cx="8459891" cy="1537022"/>
             <a:chOff x="919420" y="2935131"/>
-            <a:chExt cx="8459891" cy="1585049"/>
+            <a:chExt cx="8459891" cy="1537022"/>
           </a:xfrm>
         </p:grpSpPr>
-        <p:sp>
-          <p:nvSpPr>
-            <p:cNvPr id="4" name="TextBox 3"/>
-            <p:cNvSpPr txBox="1"/>
-            <p:nvPr/>
-          </p:nvSpPr>
-          <p:spPr>
-            <a:xfrm>
-              <a:off x="2062808" y="2935131"/>
-              <a:ext cx="5903635" cy="1585049"/>
-            </a:xfrm>
-            <a:prstGeom prst="rect">
-              <a:avLst/>
-            </a:prstGeom>
-            <a:noFill/>
-          </p:spPr>
-          <p:txBody>
-            <a:bodyPr wrap="square" rtlCol="0">
-              <a:spAutoFit/>
-            </a:bodyPr>
-            <a:lstStyle/>
-            <a:p>
-              <a:r>
-                <a:rPr lang="en-US" sz="6900" dirty="0" smtClean="0">
-                  <a:latin typeface="Segoe UI Semibold" panose="020B0702040204020203" pitchFamily="34" charset="0"/>
-                  <a:cs typeface="Segoe UI Semibold" panose="020B0702040204020203" pitchFamily="34" charset="0"/>
-                </a:rPr>
-                <a:t>Masaki </a:t>
-              </a:r>
-              <a:r>
-                <a:rPr lang="en-US" sz="6900" dirty="0" smtClean="0">
-                  <a:latin typeface="Segoe UI Semibold" panose="020B0702040204020203" pitchFamily="34" charset="0"/>
-                  <a:cs typeface="Segoe UI Semibold" panose="020B0702040204020203" pitchFamily="34" charset="0"/>
-                </a:rPr>
-                <a:t>Ogura</a:t>
-              </a:r>
-            </a:p>
-            <a:p>
-              <a:endParaRPr lang="en-US" sz="100" dirty="0" smtClean="0">
-                <a:latin typeface="Segoe UI Semibold" panose="020B0702040204020203" pitchFamily="34" charset="0"/>
-                <a:cs typeface="Segoe UI Semibold" panose="020B0702040204020203" pitchFamily="34" charset="0"/>
-              </a:endParaRPr>
-            </a:p>
-            <a:p>
-              <a:endParaRPr lang="en-US" sz="100" dirty="0">
-                <a:latin typeface="Segoe UI Semibold" panose="020B0702040204020203" pitchFamily="34" charset="0"/>
-                <a:cs typeface="Segoe UI Semibold" panose="020B0702040204020203" pitchFamily="34" charset="0"/>
-              </a:endParaRPr>
-            </a:p>
-            <a:p>
-              <a:endParaRPr lang="en-US" sz="100" dirty="0" smtClean="0">
-                <a:latin typeface="Segoe UI Semibold" panose="020B0702040204020203" pitchFamily="34" charset="0"/>
-                <a:cs typeface="Segoe UI Semibold" panose="020B0702040204020203" pitchFamily="34" charset="0"/>
-              </a:endParaRPr>
-            </a:p>
-            <a:p>
-              <a:endParaRPr lang="en-US" sz="100" dirty="0">
-                <a:latin typeface="Segoe UI Semibold" panose="020B0702040204020203" pitchFamily="34" charset="0"/>
-                <a:cs typeface="Segoe UI Semibold" panose="020B0702040204020203" pitchFamily="34" charset="0"/>
-              </a:endParaRPr>
-            </a:p>
-            <a:p>
-              <a:endParaRPr lang="en-US" sz="100" dirty="0" smtClean="0">
-                <a:latin typeface="Segoe UI Semibold" panose="020B0702040204020203" pitchFamily="34" charset="0"/>
-                <a:cs typeface="Segoe UI Semibold" panose="020B0702040204020203" pitchFamily="34" charset="0"/>
-              </a:endParaRPr>
-            </a:p>
-            <a:p>
-              <a:r>
-                <a:rPr lang="en-US" sz="2400" dirty="0" smtClean="0">
-                  <a:latin typeface="Segoe UI Semibold" panose="020B0702040204020203" pitchFamily="34" charset="0"/>
-                  <a:cs typeface="Segoe UI Semibold" panose="020B0702040204020203" pitchFamily="34" charset="0"/>
-                </a:rPr>
-                <a:t>Control engineering </a:t>
-              </a:r>
-              <a:r>
-                <a:rPr lang="en-US" sz="2400" dirty="0"/>
-                <a:t>+</a:t>
-              </a:r>
-              <a:r>
-                <a:rPr lang="en-US" sz="2400" dirty="0" smtClean="0">
-                  <a:latin typeface="Segoe UI Semibold" panose="020B0702040204020203" pitchFamily="34" charset="0"/>
-                  <a:cs typeface="Segoe UI Semibold" panose="020B0702040204020203" pitchFamily="34" charset="0"/>
-                </a:rPr>
-                <a:t> Complex networks</a:t>
-              </a:r>
-              <a:endParaRPr lang="en-US" sz="2400" dirty="0">
-                <a:latin typeface="Segoe UI Semibold" panose="020B0702040204020203" pitchFamily="34" charset="0"/>
-                <a:cs typeface="Segoe UI Semibold" panose="020B0702040204020203" pitchFamily="34" charset="0"/>
-              </a:endParaRPr>
-            </a:p>
-          </p:txBody>
-        </p:sp>
-        <p:sp>
-          <p:nvSpPr>
-            <p:cNvPr id="2" name="正方形/長方形 1"/>
-            <p:cNvSpPr/>
-            <p:nvPr/>
-          </p:nvSpPr>
-          <p:spPr>
-            <a:xfrm>
-              <a:off x="919420" y="3277491"/>
-              <a:ext cx="652429" cy="343501"/>
-            </a:xfrm>
-            <a:prstGeom prst="rect">
-              <a:avLst/>
-            </a:prstGeom>
-            <a:solidFill>
-              <a:schemeClr val="tx1"/>
-            </a:solidFill>
-            <a:ln>
-              <a:noFill/>
-            </a:ln>
-          </p:spPr>
-          <p:style>
-            <a:lnRef idx="2">
-              <a:schemeClr val="accent1">
-                <a:shade val="50000"/>
-              </a:schemeClr>
-            </a:lnRef>
-            <a:fillRef idx="1">
-              <a:schemeClr val="accent1"/>
-            </a:fillRef>
-            <a:effectRef idx="0">
-              <a:schemeClr val="accent1"/>
-            </a:effectRef>
-            <a:fontRef idx="minor">
-              <a:schemeClr val="lt1"/>
-            </a:fontRef>
-          </p:style>
-          <p:txBody>
-            <a:bodyPr rtlCol="0" anchor="ctr"/>
-            <a:lstStyle/>
-            <a:p>
-              <a:pPr algn="ctr"/>
-              <a:endParaRPr lang="en-US"/>
-            </a:p>
-          </p:txBody>
-        </p:sp>
-        <p:sp>
-          <p:nvSpPr>
-            <p:cNvPr id="5" name="正方形/長方形 4"/>
-            <p:cNvSpPr/>
-            <p:nvPr/>
-          </p:nvSpPr>
-          <p:spPr>
-            <a:xfrm>
-              <a:off x="919420" y="3986939"/>
-              <a:ext cx="652429" cy="343501"/>
-            </a:xfrm>
-            <a:prstGeom prst="rect">
-              <a:avLst/>
-            </a:prstGeom>
-            <a:solidFill>
-              <a:schemeClr val="tx1"/>
-            </a:solidFill>
-            <a:ln>
-              <a:noFill/>
-            </a:ln>
-          </p:spPr>
-          <p:style>
-            <a:lnRef idx="2">
-              <a:schemeClr val="accent1">
-                <a:shade val="50000"/>
-              </a:schemeClr>
-            </a:lnRef>
-            <a:fillRef idx="1">
-              <a:schemeClr val="accent1"/>
-            </a:fillRef>
-            <a:effectRef idx="0">
-              <a:schemeClr val="accent1"/>
-            </a:effectRef>
-            <a:fontRef idx="minor">
-              <a:schemeClr val="lt1"/>
-            </a:fontRef>
-          </p:style>
-          <p:txBody>
-            <a:bodyPr rtlCol="0" anchor="ctr"/>
-            <a:lstStyle/>
-            <a:p>
-              <a:pPr algn="ctr"/>
-              <a:endParaRPr lang="en-US"/>
-            </a:p>
-          </p:txBody>
-        </p:sp>
-        <p:cxnSp>
-          <p:nvCxnSpPr>
-            <p:cNvPr id="6" name="カギ線コネクタ 5"/>
-            <p:cNvCxnSpPr>
-              <a:stCxn id="2" idx="3"/>
-              <a:endCxn id="5" idx="3"/>
-            </p:cNvCxnSpPr>
-            <p:nvPr/>
-          </p:nvCxnSpPr>
-          <p:spPr>
-            <a:xfrm>
-              <a:off x="1571849" y="3449242"/>
-              <a:ext cx="12700" cy="709448"/>
-            </a:xfrm>
-            <a:prstGeom prst="bentConnector3">
-              <a:avLst>
-                <a:gd name="adj1" fmla="val 1800000"/>
-              </a:avLst>
-            </a:prstGeom>
-            <a:ln w="50800">
-              <a:solidFill>
-                <a:schemeClr val="tx1"/>
-              </a:solidFill>
-              <a:tailEnd type="triangle" w="med" len="med"/>
-            </a:ln>
-          </p:spPr>
-          <p:style>
-            <a:lnRef idx="1">
-              <a:schemeClr val="accent1"/>
-            </a:lnRef>
-            <a:fillRef idx="0">
-              <a:schemeClr val="accent1"/>
-            </a:fillRef>
-            <a:effectRef idx="0">
-              <a:schemeClr val="accent1"/>
-            </a:effectRef>
-            <a:fontRef idx="minor">
-              <a:schemeClr val="tx1"/>
-            </a:fontRef>
-          </p:style>
-        </p:cxnSp>
-        <p:cxnSp>
-          <p:nvCxnSpPr>
-            <p:cNvPr id="7" name="カギ線コネクタ 6"/>
-            <p:cNvCxnSpPr>
-              <a:stCxn id="5" idx="1"/>
-              <a:endCxn id="2" idx="1"/>
-            </p:cNvCxnSpPr>
-            <p:nvPr/>
-          </p:nvCxnSpPr>
-          <p:spPr>
-            <a:xfrm rot="10800000">
-              <a:off x="919420" y="3449243"/>
-              <a:ext cx="12700" cy="709448"/>
-            </a:xfrm>
-            <a:prstGeom prst="bentConnector3">
-              <a:avLst>
-                <a:gd name="adj1" fmla="val 1800000"/>
-              </a:avLst>
-            </a:prstGeom>
-            <a:ln w="50800">
-              <a:solidFill>
-                <a:schemeClr val="tx1"/>
-              </a:solidFill>
-              <a:tailEnd type="triangle" w="med" len="med"/>
-            </a:ln>
-          </p:spPr>
-          <p:style>
-            <a:lnRef idx="1">
-              <a:schemeClr val="accent1"/>
-            </a:lnRef>
-            <a:fillRef idx="0">
-              <a:schemeClr val="accent1"/>
-            </a:fillRef>
-            <a:effectRef idx="0">
-              <a:schemeClr val="accent1"/>
-            </a:effectRef>
-            <a:fontRef idx="minor">
-              <a:schemeClr val="tx1"/>
-            </a:fontRef>
-          </p:style>
-        </p:cxnSp>
         <p:grpSp>
           <p:nvGrpSpPr>
-            <p:cNvPr id="32" name="グループ化 31"/>
-            <p:cNvGrpSpPr>
-              <a:grpSpLocks noChangeAspect="1"/>
-            </p:cNvGrpSpPr>
+            <p:cNvPr id="65" name="グループ化 64"/>
+            <p:cNvGrpSpPr/>
             <p:nvPr/>
           </p:nvGrpSpPr>
           <p:grpSpPr>
             <a:xfrm>
-              <a:off x="8067020" y="3283653"/>
-              <a:ext cx="1312291" cy="1040624"/>
-              <a:chOff x="7494673" y="3011304"/>
-              <a:chExt cx="1443520" cy="1144686"/>
+              <a:off x="919420" y="2935131"/>
+              <a:ext cx="8459891" cy="1395309"/>
+              <a:chOff x="919420" y="2935131"/>
+              <a:chExt cx="8459891" cy="1395309"/>
             </a:xfrm>
           </p:grpSpPr>
           <p:sp>
             <p:nvSpPr>
-              <p:cNvPr id="11" name="楕円 10"/>
-              <p:cNvSpPr>
-                <a:spLocks noChangeAspect="1"/>
-              </p:cNvSpPr>
+              <p:cNvPr id="4" name="TextBox 3"/>
+              <p:cNvSpPr txBox="1"/>
               <p:nvPr/>
             </p:nvSpPr>
             <p:spPr>
               <a:xfrm>
-                <a:off x="8667349" y="3136201"/>
-                <a:ext cx="56979" cy="56979"/>
+                <a:off x="1973004" y="2935131"/>
+                <a:ext cx="5903635" cy="1231106"/>
               </a:xfrm>
-              <a:prstGeom prst="ellipse">
+              <a:prstGeom prst="rect">
+                <a:avLst/>
+              </a:prstGeom>
+              <a:noFill/>
+            </p:spPr>
+            <p:txBody>
+              <a:bodyPr wrap="square" rtlCol="0">
+                <a:spAutoFit/>
+              </a:bodyPr>
+              <a:lstStyle/>
+              <a:p>
+                <a:pPr algn="ctr"/>
+                <a:r>
+                  <a:rPr lang="en-US" sz="6900" dirty="0" smtClean="0">
+                    <a:latin typeface="Segoe UI Semibold" panose="020B0702040204020203" pitchFamily="34" charset="0"/>
+                    <a:cs typeface="Segoe UI Semibold" panose="020B0702040204020203" pitchFamily="34" charset="0"/>
+                  </a:rPr>
+                  <a:t>Masaki Ogura</a:t>
+                </a:r>
+              </a:p>
+              <a:p>
+                <a:pPr algn="ctr"/>
+                <a:endParaRPr lang="en-US" sz="100" dirty="0" smtClean="0">
+                  <a:latin typeface="Segoe UI Semibold" panose="020B0702040204020203" pitchFamily="34" charset="0"/>
+                  <a:cs typeface="Segoe UI Semibold" panose="020B0702040204020203" pitchFamily="34" charset="0"/>
+                </a:endParaRPr>
+              </a:p>
+              <a:p>
+                <a:pPr algn="ctr"/>
+                <a:endParaRPr lang="en-US" sz="100" dirty="0">
+                  <a:latin typeface="Segoe UI Semibold" panose="020B0702040204020203" pitchFamily="34" charset="0"/>
+                  <a:cs typeface="Segoe UI Semibold" panose="020B0702040204020203" pitchFamily="34" charset="0"/>
+                </a:endParaRPr>
+              </a:p>
+              <a:p>
+                <a:pPr algn="ctr"/>
+                <a:endParaRPr lang="en-US" sz="100" dirty="0" smtClean="0">
+                  <a:latin typeface="Segoe UI Semibold" panose="020B0702040204020203" pitchFamily="34" charset="0"/>
+                  <a:cs typeface="Segoe UI Semibold" panose="020B0702040204020203" pitchFamily="34" charset="0"/>
+                </a:endParaRPr>
+              </a:p>
+              <a:p>
+                <a:pPr algn="ctr"/>
+                <a:endParaRPr lang="en-US" sz="100" dirty="0">
+                  <a:latin typeface="Segoe UI Semibold" panose="020B0702040204020203" pitchFamily="34" charset="0"/>
+                  <a:cs typeface="Segoe UI Semibold" panose="020B0702040204020203" pitchFamily="34" charset="0"/>
+                </a:endParaRPr>
+              </a:p>
+              <a:p>
+                <a:pPr algn="ctr"/>
+                <a:endParaRPr lang="en-US" sz="100" dirty="0" smtClean="0">
+                  <a:latin typeface="Segoe UI Semibold" panose="020B0702040204020203" pitchFamily="34" charset="0"/>
+                  <a:cs typeface="Segoe UI Semibold" panose="020B0702040204020203" pitchFamily="34" charset="0"/>
+                </a:endParaRPr>
+              </a:p>
+            </p:txBody>
+          </p:sp>
+          <p:sp>
+            <p:nvSpPr>
+              <p:cNvPr id="2" name="正方形/長方形 1"/>
+              <p:cNvSpPr/>
+              <p:nvPr/>
+            </p:nvSpPr>
+            <p:spPr>
+              <a:xfrm>
+                <a:off x="919420" y="3277491"/>
+                <a:ext cx="652429" cy="343501"/>
+              </a:xfrm>
+              <a:prstGeom prst="rect">
                 <a:avLst/>
               </a:prstGeom>
               <a:solidFill>
@@ -3320,162 +3117,16 @@
           </p:sp>
           <p:sp>
             <p:nvSpPr>
-              <p:cNvPr id="12" name="楕円 11"/>
-              <p:cNvSpPr>
-                <a:spLocks noChangeAspect="1"/>
-              </p:cNvSpPr>
+              <p:cNvPr id="5" name="正方形/長方形 4"/>
+              <p:cNvSpPr/>
               <p:nvPr/>
             </p:nvSpPr>
             <p:spPr>
               <a:xfrm>
-                <a:off x="8379349" y="3712671"/>
-                <a:ext cx="56979" cy="56979"/>
+                <a:off x="919420" y="3986939"/>
+                <a:ext cx="652429" cy="343501"/>
               </a:xfrm>
-              <a:prstGeom prst="ellipse">
-                <a:avLst/>
-              </a:prstGeom>
-              <a:solidFill>
-                <a:schemeClr val="tx1"/>
-              </a:solidFill>
-              <a:ln>
-                <a:noFill/>
-              </a:ln>
-            </p:spPr>
-            <p:style>
-              <a:lnRef idx="2">
-                <a:schemeClr val="accent1">
-                  <a:shade val="50000"/>
-                </a:schemeClr>
-              </a:lnRef>
-              <a:fillRef idx="1">
-                <a:schemeClr val="accent1"/>
-              </a:fillRef>
-              <a:effectRef idx="0">
-                <a:schemeClr val="accent1"/>
-              </a:effectRef>
-              <a:fontRef idx="minor">
-                <a:schemeClr val="lt1"/>
-              </a:fontRef>
-            </p:style>
-            <p:txBody>
-              <a:bodyPr rtlCol="0" anchor="ctr"/>
-              <a:lstStyle/>
-              <a:p>
-                <a:pPr algn="ctr"/>
-                <a:endParaRPr lang="en-US"/>
-              </a:p>
-            </p:txBody>
-          </p:sp>
-          <p:sp>
-            <p:nvSpPr>
-              <p:cNvPr id="13" name="楕円 12"/>
-              <p:cNvSpPr>
-                <a:spLocks noChangeAspect="1"/>
-              </p:cNvSpPr>
-              <p:nvPr/>
-            </p:nvSpPr>
-            <p:spPr>
-              <a:xfrm>
-                <a:off x="8811349" y="4036766"/>
-                <a:ext cx="56979" cy="56979"/>
-              </a:xfrm>
-              <a:prstGeom prst="ellipse">
-                <a:avLst/>
-              </a:prstGeom>
-              <a:solidFill>
-                <a:schemeClr val="tx1"/>
-              </a:solidFill>
-              <a:ln>
-                <a:noFill/>
-              </a:ln>
-            </p:spPr>
-            <p:style>
-              <a:lnRef idx="2">
-                <a:schemeClr val="accent1">
-                  <a:shade val="50000"/>
-                </a:schemeClr>
-              </a:lnRef>
-              <a:fillRef idx="1">
-                <a:schemeClr val="accent1"/>
-              </a:fillRef>
-              <a:effectRef idx="0">
-                <a:schemeClr val="accent1"/>
-              </a:effectRef>
-              <a:fontRef idx="minor">
-                <a:schemeClr val="lt1"/>
-              </a:fontRef>
-            </p:style>
-            <p:txBody>
-              <a:bodyPr rtlCol="0" anchor="ctr"/>
-              <a:lstStyle/>
-              <a:p>
-                <a:pPr algn="ctr"/>
-                <a:endParaRPr lang="en-US"/>
-              </a:p>
-            </p:txBody>
-          </p:sp>
-          <p:sp>
-            <p:nvSpPr>
-              <p:cNvPr id="14" name="楕円 13"/>
-              <p:cNvSpPr>
-                <a:spLocks noChangeAspect="1"/>
-              </p:cNvSpPr>
-              <p:nvPr/>
-            </p:nvSpPr>
-            <p:spPr>
-              <a:xfrm>
-                <a:off x="7610185" y="3955488"/>
-                <a:ext cx="56979" cy="56979"/>
-              </a:xfrm>
-              <a:prstGeom prst="ellipse">
-                <a:avLst/>
-              </a:prstGeom>
-              <a:solidFill>
-                <a:schemeClr val="tx1"/>
-              </a:solidFill>
-              <a:ln>
-                <a:noFill/>
-              </a:ln>
-            </p:spPr>
-            <p:style>
-              <a:lnRef idx="2">
-                <a:schemeClr val="accent1">
-                  <a:shade val="50000"/>
-                </a:schemeClr>
-              </a:lnRef>
-              <a:fillRef idx="1">
-                <a:schemeClr val="accent1"/>
-              </a:fillRef>
-              <a:effectRef idx="0">
-                <a:schemeClr val="accent1"/>
-              </a:effectRef>
-              <a:fontRef idx="minor">
-                <a:schemeClr val="lt1"/>
-              </a:fontRef>
-            </p:style>
-            <p:txBody>
-              <a:bodyPr rtlCol="0" anchor="ctr"/>
-              <a:lstStyle/>
-              <a:p>
-                <a:pPr algn="ctr"/>
-                <a:endParaRPr lang="en-US"/>
-              </a:p>
-            </p:txBody>
-          </p:sp>
-          <p:sp>
-            <p:nvSpPr>
-              <p:cNvPr id="15" name="楕円 14"/>
-              <p:cNvSpPr>
-                <a:spLocks noChangeAspect="1"/>
-              </p:cNvSpPr>
-              <p:nvPr/>
-            </p:nvSpPr>
-            <p:spPr>
-              <a:xfrm>
-                <a:off x="7785239" y="3134436"/>
-                <a:ext cx="56979" cy="56979"/>
-              </a:xfrm>
-              <a:prstGeom prst="ellipse">
+              <a:prstGeom prst="rect">
                 <a:avLst/>
               </a:prstGeom>
               <a:solidFill>
@@ -3512,26 +3163,28 @@
           </p:sp>
           <p:cxnSp>
             <p:nvCxnSpPr>
-              <p:cNvPr id="17" name="直線コネクタ 16"/>
+              <p:cNvPr id="6" name="カギ線コネクタ 5"/>
               <p:cNvCxnSpPr>
-                <a:stCxn id="12" idx="7"/>
-                <a:endCxn id="11" idx="3"/>
+                <a:stCxn id="2" idx="3"/>
+                <a:endCxn id="5" idx="3"/>
               </p:cNvCxnSpPr>
               <p:nvPr/>
             </p:nvCxnSpPr>
             <p:spPr>
-              <a:xfrm flipV="1">
-                <a:off x="8427984" y="3184836"/>
-                <a:ext cx="247709" cy="536179"/>
+              <a:xfrm>
+                <a:off x="1571849" y="3449242"/>
+                <a:ext cx="12700" cy="709448"/>
               </a:xfrm>
-              <a:prstGeom prst="line">
-                <a:avLst/>
+              <a:prstGeom prst="bentConnector3">
+                <a:avLst>
+                  <a:gd name="adj1" fmla="val 1800000"/>
+                </a:avLst>
               </a:prstGeom>
-              <a:ln w="63500">
+              <a:ln w="50800">
                 <a:solidFill>
                   <a:schemeClr val="tx1"/>
                 </a:solidFill>
-                <a:prstDash val="sysDot"/>
+                <a:tailEnd type="triangle" w="med" len="med"/>
               </a:ln>
             </p:spPr>
             <p:style>
@@ -3551,25 +3204,28 @@
           </p:cxnSp>
           <p:cxnSp>
             <p:nvCxnSpPr>
-              <p:cNvPr id="18" name="直線コネクタ 17"/>
+              <p:cNvPr id="7" name="カギ線コネクタ 6"/>
               <p:cNvCxnSpPr>
-                <a:stCxn id="12" idx="1"/>
-                <a:endCxn id="15" idx="1"/>
+                <a:stCxn id="5" idx="1"/>
+                <a:endCxn id="2" idx="1"/>
               </p:cNvCxnSpPr>
               <p:nvPr/>
             </p:nvCxnSpPr>
             <p:spPr>
-              <a:xfrm flipH="1" flipV="1">
-                <a:off x="7793583" y="3142780"/>
-                <a:ext cx="594110" cy="578235"/>
+              <a:xfrm rot="10800000">
+                <a:off x="919420" y="3449243"/>
+                <a:ext cx="12700" cy="709448"/>
               </a:xfrm>
-              <a:prstGeom prst="line">
-                <a:avLst/>
+              <a:prstGeom prst="bentConnector3">
+                <a:avLst>
+                  <a:gd name="adj1" fmla="val 1800000"/>
+                </a:avLst>
               </a:prstGeom>
-              <a:ln w="53975">
+              <a:ln w="50800">
                 <a:solidFill>
                   <a:schemeClr val="tx1"/>
                 </a:solidFill>
+                <a:tailEnd type="triangle" w="med" len="med"/>
               </a:ln>
             </p:spPr>
             <p:style>
@@ -3587,324 +3243,719 @@
               </a:fontRef>
             </p:style>
           </p:cxnSp>
-          <p:cxnSp>
-            <p:nvCxnSpPr>
-              <p:cNvPr id="21" name="直線コネクタ 20"/>
-              <p:cNvCxnSpPr>
-                <a:stCxn id="13" idx="7"/>
-                <a:endCxn id="12" idx="5"/>
-              </p:cNvCxnSpPr>
+          <p:grpSp>
+            <p:nvGrpSpPr>
+              <p:cNvPr id="32" name="グループ化 31"/>
+              <p:cNvGrpSpPr>
+                <a:grpSpLocks noChangeAspect="1"/>
+              </p:cNvGrpSpPr>
               <p:nvPr/>
-            </p:nvCxnSpPr>
-            <p:spPr>
-              <a:xfrm flipH="1" flipV="1">
-                <a:off x="8427984" y="3761306"/>
-                <a:ext cx="432000" cy="283804"/>
+            </p:nvGrpSpPr>
+            <p:grpSpPr>
+              <a:xfrm>
+                <a:off x="8067020" y="3283653"/>
+                <a:ext cx="1312291" cy="1040624"/>
+                <a:chOff x="7494673" y="3011304"/>
+                <a:chExt cx="1443520" cy="1144686"/>
               </a:xfrm>
-              <a:prstGeom prst="line">
-                <a:avLst/>
-              </a:prstGeom>
-              <a:ln w="44450">
+            </p:grpSpPr>
+            <p:sp>
+              <p:nvSpPr>
+                <p:cNvPr id="11" name="楕円 10"/>
+                <p:cNvSpPr>
+                  <a:spLocks noChangeAspect="1"/>
+                </p:cNvSpPr>
+                <p:nvPr/>
+              </p:nvSpPr>
+              <p:spPr>
+                <a:xfrm>
+                  <a:off x="8667349" y="3136201"/>
+                  <a:ext cx="56979" cy="56979"/>
+                </a:xfrm>
+                <a:prstGeom prst="ellipse">
+                  <a:avLst/>
+                </a:prstGeom>
                 <a:solidFill>
                   <a:schemeClr val="tx1"/>
                 </a:solidFill>
-              </a:ln>
-            </p:spPr>
-            <p:style>
-              <a:lnRef idx="1">
-                <a:schemeClr val="accent1"/>
-              </a:lnRef>
-              <a:fillRef idx="0">
-                <a:schemeClr val="accent1"/>
-              </a:fillRef>
-              <a:effectRef idx="0">
-                <a:schemeClr val="accent1"/>
-              </a:effectRef>
-              <a:fontRef idx="minor">
-                <a:schemeClr val="tx1"/>
-              </a:fontRef>
-            </p:style>
-          </p:cxnSp>
-          <p:cxnSp>
-            <p:nvCxnSpPr>
-              <p:cNvPr id="24" name="直線コネクタ 23"/>
-              <p:cNvCxnSpPr>
-                <a:stCxn id="14" idx="7"/>
-                <a:endCxn id="12" idx="2"/>
-              </p:cNvCxnSpPr>
-              <p:nvPr/>
-            </p:nvCxnSpPr>
-            <p:spPr>
-              <a:xfrm flipV="1">
-                <a:off x="7658820" y="3741161"/>
-                <a:ext cx="720529" cy="222671"/>
-              </a:xfrm>
-              <a:prstGeom prst="line">
-                <a:avLst/>
-              </a:prstGeom>
-              <a:ln w="63500">
+                <a:ln>
+                  <a:noFill/>
+                </a:ln>
+              </p:spPr>
+              <p:style>
+                <a:lnRef idx="2">
+                  <a:schemeClr val="accent1">
+                    <a:shade val="50000"/>
+                  </a:schemeClr>
+                </a:lnRef>
+                <a:fillRef idx="1">
+                  <a:schemeClr val="accent1"/>
+                </a:fillRef>
+                <a:effectRef idx="0">
+                  <a:schemeClr val="accent1"/>
+                </a:effectRef>
+                <a:fontRef idx="minor">
+                  <a:schemeClr val="lt1"/>
+                </a:fontRef>
+              </p:style>
+              <p:txBody>
+                <a:bodyPr rtlCol="0" anchor="ctr"/>
+                <a:lstStyle/>
+                <a:p>
+                  <a:pPr algn="ctr"/>
+                  <a:endParaRPr lang="en-US"/>
+                </a:p>
+              </p:txBody>
+            </p:sp>
+            <p:sp>
+              <p:nvSpPr>
+                <p:cNvPr id="12" name="楕円 11"/>
+                <p:cNvSpPr>
+                  <a:spLocks noChangeAspect="1"/>
+                </p:cNvSpPr>
+                <p:nvPr/>
+              </p:nvSpPr>
+              <p:spPr>
+                <a:xfrm>
+                  <a:off x="8379349" y="3712671"/>
+                  <a:ext cx="56979" cy="56979"/>
+                </a:xfrm>
+                <a:prstGeom prst="ellipse">
+                  <a:avLst/>
+                </a:prstGeom>
                 <a:solidFill>
                   <a:schemeClr val="tx1"/>
                 </a:solidFill>
-                <a:prstDash val="sysDot"/>
-              </a:ln>
-            </p:spPr>
-            <p:style>
-              <a:lnRef idx="1">
-                <a:schemeClr val="accent1"/>
-              </a:lnRef>
-              <a:fillRef idx="0">
-                <a:schemeClr val="accent1"/>
-              </a:fillRef>
-              <a:effectRef idx="0">
-                <a:schemeClr val="accent1"/>
-              </a:effectRef>
-              <a:fontRef idx="minor">
-                <a:schemeClr val="tx1"/>
-              </a:fontRef>
-            </p:style>
-          </p:cxnSp>
-          <p:sp>
-            <p:nvSpPr>
-              <p:cNvPr id="27" name="楕円 26"/>
-              <p:cNvSpPr>
-                <a:spLocks noChangeAspect="1"/>
-              </p:cNvSpPr>
-              <p:nvPr/>
-            </p:nvSpPr>
-            <p:spPr>
-              <a:xfrm>
-                <a:off x="8606425" y="3067657"/>
-                <a:ext cx="178827" cy="178827"/>
-              </a:xfrm>
-              <a:prstGeom prst="ellipse">
-                <a:avLst/>
-              </a:prstGeom>
-              <a:solidFill>
-                <a:schemeClr val="tx1"/>
-              </a:solidFill>
-              <a:ln>
-                <a:noFill/>
-              </a:ln>
-            </p:spPr>
-            <p:style>
-              <a:lnRef idx="2">
-                <a:schemeClr val="accent1">
-                  <a:shade val="50000"/>
-                </a:schemeClr>
-              </a:lnRef>
-              <a:fillRef idx="1">
-                <a:schemeClr val="accent1"/>
-              </a:fillRef>
-              <a:effectRef idx="0">
-                <a:schemeClr val="accent1"/>
-              </a:effectRef>
-              <a:fontRef idx="minor">
-                <a:schemeClr val="lt1"/>
-              </a:fontRef>
-            </p:style>
-            <p:txBody>
-              <a:bodyPr rtlCol="0" anchor="ctr"/>
-              <a:lstStyle/>
-              <a:p>
-                <a:pPr algn="ctr"/>
-                <a:endParaRPr lang="en-US"/>
-              </a:p>
-            </p:txBody>
-          </p:sp>
-          <p:sp>
-            <p:nvSpPr>
-              <p:cNvPr id="28" name="楕円 27"/>
-              <p:cNvSpPr>
-                <a:spLocks noChangeAspect="1"/>
-              </p:cNvSpPr>
-              <p:nvPr/>
-            </p:nvSpPr>
-            <p:spPr>
-              <a:xfrm>
-                <a:off x="8197006" y="3522708"/>
-                <a:ext cx="421664" cy="421664"/>
-              </a:xfrm>
-              <a:prstGeom prst="ellipse">
-                <a:avLst/>
-              </a:prstGeom>
-              <a:solidFill>
-                <a:schemeClr val="tx1"/>
-              </a:solidFill>
-              <a:ln>
-                <a:noFill/>
-              </a:ln>
-            </p:spPr>
-            <p:style>
-              <a:lnRef idx="2">
-                <a:schemeClr val="accent1">
-                  <a:shade val="50000"/>
-                </a:schemeClr>
-              </a:lnRef>
-              <a:fillRef idx="1">
-                <a:schemeClr val="accent1"/>
-              </a:fillRef>
-              <a:effectRef idx="0">
-                <a:schemeClr val="accent1"/>
-              </a:effectRef>
-              <a:fontRef idx="minor">
-                <a:schemeClr val="lt1"/>
-              </a:fontRef>
-            </p:style>
-            <p:txBody>
-              <a:bodyPr rtlCol="0" anchor="ctr"/>
-              <a:lstStyle/>
-              <a:p>
-                <a:pPr algn="ctr"/>
-                <a:endParaRPr lang="en-US"/>
-              </a:p>
-            </p:txBody>
-          </p:sp>
-          <p:sp>
-            <p:nvSpPr>
-              <p:cNvPr id="29" name="楕円 28"/>
-              <p:cNvSpPr>
-                <a:spLocks noChangeAspect="1"/>
-              </p:cNvSpPr>
-              <p:nvPr/>
-            </p:nvSpPr>
-            <p:spPr>
-              <a:xfrm>
-                <a:off x="8741483" y="3959280"/>
-                <a:ext cx="196710" cy="196710"/>
-              </a:xfrm>
-              <a:prstGeom prst="ellipse">
-                <a:avLst/>
-              </a:prstGeom>
-              <a:solidFill>
-                <a:schemeClr val="tx1"/>
-              </a:solidFill>
-              <a:ln>
-                <a:noFill/>
-              </a:ln>
-            </p:spPr>
-            <p:style>
-              <a:lnRef idx="2">
-                <a:schemeClr val="accent1">
-                  <a:shade val="50000"/>
-                </a:schemeClr>
-              </a:lnRef>
-              <a:fillRef idx="1">
-                <a:schemeClr val="accent1"/>
-              </a:fillRef>
-              <a:effectRef idx="0">
-                <a:schemeClr val="accent1"/>
-              </a:effectRef>
-              <a:fontRef idx="minor">
-                <a:schemeClr val="lt1"/>
-              </a:fontRef>
-            </p:style>
-            <p:txBody>
-              <a:bodyPr rtlCol="0" anchor="ctr"/>
-              <a:lstStyle/>
-              <a:p>
-                <a:pPr algn="ctr"/>
-                <a:endParaRPr lang="en-US"/>
-              </a:p>
-            </p:txBody>
-          </p:sp>
-          <p:sp>
-            <p:nvSpPr>
-              <p:cNvPr id="30" name="楕円 29"/>
-              <p:cNvSpPr>
-                <a:spLocks noChangeAspect="1"/>
-              </p:cNvSpPr>
-              <p:nvPr/>
-            </p:nvSpPr>
-            <p:spPr>
-              <a:xfrm>
-                <a:off x="7494673" y="3832356"/>
-                <a:ext cx="288003" cy="288003"/>
-              </a:xfrm>
-              <a:prstGeom prst="ellipse">
-                <a:avLst/>
-              </a:prstGeom>
-              <a:solidFill>
-                <a:schemeClr val="tx1"/>
-              </a:solidFill>
-              <a:ln>
-                <a:noFill/>
-              </a:ln>
-            </p:spPr>
-            <p:style>
-              <a:lnRef idx="2">
-                <a:schemeClr val="accent1">
-                  <a:shade val="50000"/>
-                </a:schemeClr>
-              </a:lnRef>
-              <a:fillRef idx="1">
-                <a:schemeClr val="accent1"/>
-              </a:fillRef>
-              <a:effectRef idx="0">
-                <a:schemeClr val="accent1"/>
-              </a:effectRef>
-              <a:fontRef idx="minor">
-                <a:schemeClr val="lt1"/>
-              </a:fontRef>
-            </p:style>
-            <p:txBody>
-              <a:bodyPr rtlCol="0" anchor="ctr"/>
-              <a:lstStyle/>
-              <a:p>
-                <a:pPr algn="ctr"/>
-                <a:endParaRPr lang="en-US"/>
-              </a:p>
-            </p:txBody>
-          </p:sp>
-          <p:sp>
-            <p:nvSpPr>
-              <p:cNvPr id="31" name="楕円 30"/>
-              <p:cNvSpPr>
-                <a:spLocks noChangeAspect="1"/>
-              </p:cNvSpPr>
-              <p:nvPr/>
-            </p:nvSpPr>
-            <p:spPr>
-              <a:xfrm>
-                <a:off x="7669727" y="3011304"/>
-                <a:ext cx="288003" cy="288003"/>
-              </a:xfrm>
-              <a:prstGeom prst="ellipse">
-                <a:avLst/>
-              </a:prstGeom>
-              <a:solidFill>
-                <a:schemeClr val="tx1"/>
-              </a:solidFill>
-              <a:ln>
-                <a:noFill/>
-              </a:ln>
-            </p:spPr>
-            <p:style>
-              <a:lnRef idx="2">
-                <a:schemeClr val="accent1">
-                  <a:shade val="50000"/>
-                </a:schemeClr>
-              </a:lnRef>
-              <a:fillRef idx="1">
-                <a:schemeClr val="accent1"/>
-              </a:fillRef>
-              <a:effectRef idx="0">
-                <a:schemeClr val="accent1"/>
-              </a:effectRef>
-              <a:fontRef idx="minor">
-                <a:schemeClr val="lt1"/>
-              </a:fontRef>
-            </p:style>
-            <p:txBody>
-              <a:bodyPr rtlCol="0" anchor="ctr"/>
-              <a:lstStyle/>
-              <a:p>
-                <a:pPr algn="ctr"/>
-                <a:endParaRPr lang="en-US"/>
-              </a:p>
-            </p:txBody>
-          </p:sp>
+                <a:ln>
+                  <a:noFill/>
+                </a:ln>
+              </p:spPr>
+              <p:style>
+                <a:lnRef idx="2">
+                  <a:schemeClr val="accent1">
+                    <a:shade val="50000"/>
+                  </a:schemeClr>
+                </a:lnRef>
+                <a:fillRef idx="1">
+                  <a:schemeClr val="accent1"/>
+                </a:fillRef>
+                <a:effectRef idx="0">
+                  <a:schemeClr val="accent1"/>
+                </a:effectRef>
+                <a:fontRef idx="minor">
+                  <a:schemeClr val="lt1"/>
+                </a:fontRef>
+              </p:style>
+              <p:txBody>
+                <a:bodyPr rtlCol="0" anchor="ctr"/>
+                <a:lstStyle/>
+                <a:p>
+                  <a:pPr algn="ctr"/>
+                  <a:endParaRPr lang="en-US"/>
+                </a:p>
+              </p:txBody>
+            </p:sp>
+            <p:sp>
+              <p:nvSpPr>
+                <p:cNvPr id="13" name="楕円 12"/>
+                <p:cNvSpPr>
+                  <a:spLocks noChangeAspect="1"/>
+                </p:cNvSpPr>
+                <p:nvPr/>
+              </p:nvSpPr>
+              <p:spPr>
+                <a:xfrm>
+                  <a:off x="8811349" y="4036766"/>
+                  <a:ext cx="56979" cy="56979"/>
+                </a:xfrm>
+                <a:prstGeom prst="ellipse">
+                  <a:avLst/>
+                </a:prstGeom>
+                <a:solidFill>
+                  <a:schemeClr val="tx1"/>
+                </a:solidFill>
+                <a:ln>
+                  <a:noFill/>
+                </a:ln>
+              </p:spPr>
+              <p:style>
+                <a:lnRef idx="2">
+                  <a:schemeClr val="accent1">
+                    <a:shade val="50000"/>
+                  </a:schemeClr>
+                </a:lnRef>
+                <a:fillRef idx="1">
+                  <a:schemeClr val="accent1"/>
+                </a:fillRef>
+                <a:effectRef idx="0">
+                  <a:schemeClr val="accent1"/>
+                </a:effectRef>
+                <a:fontRef idx="minor">
+                  <a:schemeClr val="lt1"/>
+                </a:fontRef>
+              </p:style>
+              <p:txBody>
+                <a:bodyPr rtlCol="0" anchor="ctr"/>
+                <a:lstStyle/>
+                <a:p>
+                  <a:pPr algn="ctr"/>
+                  <a:endParaRPr lang="en-US"/>
+                </a:p>
+              </p:txBody>
+            </p:sp>
+            <p:sp>
+              <p:nvSpPr>
+                <p:cNvPr id="14" name="楕円 13"/>
+                <p:cNvSpPr>
+                  <a:spLocks noChangeAspect="1"/>
+                </p:cNvSpPr>
+                <p:nvPr/>
+              </p:nvSpPr>
+              <p:spPr>
+                <a:xfrm>
+                  <a:off x="7610185" y="3955488"/>
+                  <a:ext cx="56979" cy="56979"/>
+                </a:xfrm>
+                <a:prstGeom prst="ellipse">
+                  <a:avLst/>
+                </a:prstGeom>
+                <a:solidFill>
+                  <a:schemeClr val="tx1"/>
+                </a:solidFill>
+                <a:ln>
+                  <a:noFill/>
+                </a:ln>
+              </p:spPr>
+              <p:style>
+                <a:lnRef idx="2">
+                  <a:schemeClr val="accent1">
+                    <a:shade val="50000"/>
+                  </a:schemeClr>
+                </a:lnRef>
+                <a:fillRef idx="1">
+                  <a:schemeClr val="accent1"/>
+                </a:fillRef>
+                <a:effectRef idx="0">
+                  <a:schemeClr val="accent1"/>
+                </a:effectRef>
+                <a:fontRef idx="minor">
+                  <a:schemeClr val="lt1"/>
+                </a:fontRef>
+              </p:style>
+              <p:txBody>
+                <a:bodyPr rtlCol="0" anchor="ctr"/>
+                <a:lstStyle/>
+                <a:p>
+                  <a:pPr algn="ctr"/>
+                  <a:endParaRPr lang="en-US"/>
+                </a:p>
+              </p:txBody>
+            </p:sp>
+            <p:sp>
+              <p:nvSpPr>
+                <p:cNvPr id="15" name="楕円 14"/>
+                <p:cNvSpPr>
+                  <a:spLocks noChangeAspect="1"/>
+                </p:cNvSpPr>
+                <p:nvPr/>
+              </p:nvSpPr>
+              <p:spPr>
+                <a:xfrm>
+                  <a:off x="7785239" y="3134436"/>
+                  <a:ext cx="56979" cy="56979"/>
+                </a:xfrm>
+                <a:prstGeom prst="ellipse">
+                  <a:avLst/>
+                </a:prstGeom>
+                <a:solidFill>
+                  <a:schemeClr val="tx1"/>
+                </a:solidFill>
+                <a:ln>
+                  <a:noFill/>
+                </a:ln>
+              </p:spPr>
+              <p:style>
+                <a:lnRef idx="2">
+                  <a:schemeClr val="accent1">
+                    <a:shade val="50000"/>
+                  </a:schemeClr>
+                </a:lnRef>
+                <a:fillRef idx="1">
+                  <a:schemeClr val="accent1"/>
+                </a:fillRef>
+                <a:effectRef idx="0">
+                  <a:schemeClr val="accent1"/>
+                </a:effectRef>
+                <a:fontRef idx="minor">
+                  <a:schemeClr val="lt1"/>
+                </a:fontRef>
+              </p:style>
+              <p:txBody>
+                <a:bodyPr rtlCol="0" anchor="ctr"/>
+                <a:lstStyle/>
+                <a:p>
+                  <a:pPr algn="ctr"/>
+                  <a:endParaRPr lang="en-US"/>
+                </a:p>
+              </p:txBody>
+            </p:sp>
+            <p:cxnSp>
+              <p:nvCxnSpPr>
+                <p:cNvPr id="17" name="直線コネクタ 16"/>
+                <p:cNvCxnSpPr>
+                  <a:stCxn id="12" idx="7"/>
+                  <a:endCxn id="11" idx="3"/>
+                </p:cNvCxnSpPr>
+                <p:nvPr/>
+              </p:nvCxnSpPr>
+              <p:spPr>
+                <a:xfrm flipV="1">
+                  <a:off x="8427984" y="3184836"/>
+                  <a:ext cx="247709" cy="536179"/>
+                </a:xfrm>
+                <a:prstGeom prst="line">
+                  <a:avLst/>
+                </a:prstGeom>
+                <a:ln w="63500">
+                  <a:solidFill>
+                    <a:schemeClr val="tx1"/>
+                  </a:solidFill>
+                  <a:prstDash val="sysDot"/>
+                </a:ln>
+              </p:spPr>
+              <p:style>
+                <a:lnRef idx="1">
+                  <a:schemeClr val="accent1"/>
+                </a:lnRef>
+                <a:fillRef idx="0">
+                  <a:schemeClr val="accent1"/>
+                </a:fillRef>
+                <a:effectRef idx="0">
+                  <a:schemeClr val="accent1"/>
+                </a:effectRef>
+                <a:fontRef idx="minor">
+                  <a:schemeClr val="tx1"/>
+                </a:fontRef>
+              </p:style>
+            </p:cxnSp>
+            <p:cxnSp>
+              <p:nvCxnSpPr>
+                <p:cNvPr id="18" name="直線コネクタ 17"/>
+                <p:cNvCxnSpPr>
+                  <a:stCxn id="12" idx="1"/>
+                  <a:endCxn id="15" idx="1"/>
+                </p:cNvCxnSpPr>
+                <p:nvPr/>
+              </p:nvCxnSpPr>
+              <p:spPr>
+                <a:xfrm flipH="1" flipV="1">
+                  <a:off x="7793583" y="3142780"/>
+                  <a:ext cx="594110" cy="578235"/>
+                </a:xfrm>
+                <a:prstGeom prst="line">
+                  <a:avLst/>
+                </a:prstGeom>
+                <a:ln w="53975">
+                  <a:solidFill>
+                    <a:schemeClr val="tx1"/>
+                  </a:solidFill>
+                </a:ln>
+              </p:spPr>
+              <p:style>
+                <a:lnRef idx="1">
+                  <a:schemeClr val="accent1"/>
+                </a:lnRef>
+                <a:fillRef idx="0">
+                  <a:schemeClr val="accent1"/>
+                </a:fillRef>
+                <a:effectRef idx="0">
+                  <a:schemeClr val="accent1"/>
+                </a:effectRef>
+                <a:fontRef idx="minor">
+                  <a:schemeClr val="tx1"/>
+                </a:fontRef>
+              </p:style>
+            </p:cxnSp>
+            <p:cxnSp>
+              <p:nvCxnSpPr>
+                <p:cNvPr id="21" name="直線コネクタ 20"/>
+                <p:cNvCxnSpPr>
+                  <a:stCxn id="13" idx="7"/>
+                  <a:endCxn id="12" idx="5"/>
+                </p:cNvCxnSpPr>
+                <p:nvPr/>
+              </p:nvCxnSpPr>
+              <p:spPr>
+                <a:xfrm flipH="1" flipV="1">
+                  <a:off x="8427984" y="3761306"/>
+                  <a:ext cx="432000" cy="283804"/>
+                </a:xfrm>
+                <a:prstGeom prst="line">
+                  <a:avLst/>
+                </a:prstGeom>
+                <a:ln w="44450">
+                  <a:solidFill>
+                    <a:schemeClr val="tx1"/>
+                  </a:solidFill>
+                </a:ln>
+              </p:spPr>
+              <p:style>
+                <a:lnRef idx="1">
+                  <a:schemeClr val="accent1"/>
+                </a:lnRef>
+                <a:fillRef idx="0">
+                  <a:schemeClr val="accent1"/>
+                </a:fillRef>
+                <a:effectRef idx="0">
+                  <a:schemeClr val="accent1"/>
+                </a:effectRef>
+                <a:fontRef idx="minor">
+                  <a:schemeClr val="tx1"/>
+                </a:fontRef>
+              </p:style>
+            </p:cxnSp>
+            <p:cxnSp>
+              <p:nvCxnSpPr>
+                <p:cNvPr id="24" name="直線コネクタ 23"/>
+                <p:cNvCxnSpPr>
+                  <a:stCxn id="14" idx="7"/>
+                  <a:endCxn id="12" idx="2"/>
+                </p:cNvCxnSpPr>
+                <p:nvPr/>
+              </p:nvCxnSpPr>
+              <p:spPr>
+                <a:xfrm flipV="1">
+                  <a:off x="7658820" y="3741161"/>
+                  <a:ext cx="720529" cy="222671"/>
+                </a:xfrm>
+                <a:prstGeom prst="line">
+                  <a:avLst/>
+                </a:prstGeom>
+                <a:ln w="63500">
+                  <a:solidFill>
+                    <a:schemeClr val="tx1"/>
+                  </a:solidFill>
+                  <a:prstDash val="sysDot"/>
+                </a:ln>
+              </p:spPr>
+              <p:style>
+                <a:lnRef idx="1">
+                  <a:schemeClr val="accent1"/>
+                </a:lnRef>
+                <a:fillRef idx="0">
+                  <a:schemeClr val="accent1"/>
+                </a:fillRef>
+                <a:effectRef idx="0">
+                  <a:schemeClr val="accent1"/>
+                </a:effectRef>
+                <a:fontRef idx="minor">
+                  <a:schemeClr val="tx1"/>
+                </a:fontRef>
+              </p:style>
+            </p:cxnSp>
+            <p:sp>
+              <p:nvSpPr>
+                <p:cNvPr id="27" name="楕円 26"/>
+                <p:cNvSpPr>
+                  <a:spLocks noChangeAspect="1"/>
+                </p:cNvSpPr>
+                <p:nvPr/>
+              </p:nvSpPr>
+              <p:spPr>
+                <a:xfrm>
+                  <a:off x="8606425" y="3067657"/>
+                  <a:ext cx="178827" cy="178827"/>
+                </a:xfrm>
+                <a:prstGeom prst="ellipse">
+                  <a:avLst/>
+                </a:prstGeom>
+                <a:solidFill>
+                  <a:schemeClr val="tx1"/>
+                </a:solidFill>
+                <a:ln>
+                  <a:noFill/>
+                </a:ln>
+              </p:spPr>
+              <p:style>
+                <a:lnRef idx="2">
+                  <a:schemeClr val="accent1">
+                    <a:shade val="50000"/>
+                  </a:schemeClr>
+                </a:lnRef>
+                <a:fillRef idx="1">
+                  <a:schemeClr val="accent1"/>
+                </a:fillRef>
+                <a:effectRef idx="0">
+                  <a:schemeClr val="accent1"/>
+                </a:effectRef>
+                <a:fontRef idx="minor">
+                  <a:schemeClr val="lt1"/>
+                </a:fontRef>
+              </p:style>
+              <p:txBody>
+                <a:bodyPr rtlCol="0" anchor="ctr"/>
+                <a:lstStyle/>
+                <a:p>
+                  <a:pPr algn="ctr"/>
+                  <a:endParaRPr lang="en-US"/>
+                </a:p>
+              </p:txBody>
+            </p:sp>
+            <p:sp>
+              <p:nvSpPr>
+                <p:cNvPr id="28" name="楕円 27"/>
+                <p:cNvSpPr>
+                  <a:spLocks noChangeAspect="1"/>
+                </p:cNvSpPr>
+                <p:nvPr/>
+              </p:nvSpPr>
+              <p:spPr>
+                <a:xfrm>
+                  <a:off x="8197006" y="3522708"/>
+                  <a:ext cx="421664" cy="421664"/>
+                </a:xfrm>
+                <a:prstGeom prst="ellipse">
+                  <a:avLst/>
+                </a:prstGeom>
+                <a:solidFill>
+                  <a:schemeClr val="tx1"/>
+                </a:solidFill>
+                <a:ln>
+                  <a:noFill/>
+                </a:ln>
+              </p:spPr>
+              <p:style>
+                <a:lnRef idx="2">
+                  <a:schemeClr val="accent1">
+                    <a:shade val="50000"/>
+                  </a:schemeClr>
+                </a:lnRef>
+                <a:fillRef idx="1">
+                  <a:schemeClr val="accent1"/>
+                </a:fillRef>
+                <a:effectRef idx="0">
+                  <a:schemeClr val="accent1"/>
+                </a:effectRef>
+                <a:fontRef idx="minor">
+                  <a:schemeClr val="lt1"/>
+                </a:fontRef>
+              </p:style>
+              <p:txBody>
+                <a:bodyPr rtlCol="0" anchor="ctr"/>
+                <a:lstStyle/>
+                <a:p>
+                  <a:pPr algn="ctr"/>
+                  <a:endParaRPr lang="en-US"/>
+                </a:p>
+              </p:txBody>
+            </p:sp>
+            <p:sp>
+              <p:nvSpPr>
+                <p:cNvPr id="29" name="楕円 28"/>
+                <p:cNvSpPr>
+                  <a:spLocks noChangeAspect="1"/>
+                </p:cNvSpPr>
+                <p:nvPr/>
+              </p:nvSpPr>
+              <p:spPr>
+                <a:xfrm>
+                  <a:off x="8741483" y="3959280"/>
+                  <a:ext cx="196710" cy="196710"/>
+                </a:xfrm>
+                <a:prstGeom prst="ellipse">
+                  <a:avLst/>
+                </a:prstGeom>
+                <a:solidFill>
+                  <a:schemeClr val="tx1"/>
+                </a:solidFill>
+                <a:ln>
+                  <a:noFill/>
+                </a:ln>
+              </p:spPr>
+              <p:style>
+                <a:lnRef idx="2">
+                  <a:schemeClr val="accent1">
+                    <a:shade val="50000"/>
+                  </a:schemeClr>
+                </a:lnRef>
+                <a:fillRef idx="1">
+                  <a:schemeClr val="accent1"/>
+                </a:fillRef>
+                <a:effectRef idx="0">
+                  <a:schemeClr val="accent1"/>
+                </a:effectRef>
+                <a:fontRef idx="minor">
+                  <a:schemeClr val="lt1"/>
+                </a:fontRef>
+              </p:style>
+              <p:txBody>
+                <a:bodyPr rtlCol="0" anchor="ctr"/>
+                <a:lstStyle/>
+                <a:p>
+                  <a:pPr algn="ctr"/>
+                  <a:endParaRPr lang="en-US"/>
+                </a:p>
+              </p:txBody>
+            </p:sp>
+            <p:sp>
+              <p:nvSpPr>
+                <p:cNvPr id="30" name="楕円 29"/>
+                <p:cNvSpPr>
+                  <a:spLocks noChangeAspect="1"/>
+                </p:cNvSpPr>
+                <p:nvPr/>
+              </p:nvSpPr>
+              <p:spPr>
+                <a:xfrm>
+                  <a:off x="7494673" y="3832356"/>
+                  <a:ext cx="288003" cy="288003"/>
+                </a:xfrm>
+                <a:prstGeom prst="ellipse">
+                  <a:avLst/>
+                </a:prstGeom>
+                <a:solidFill>
+                  <a:schemeClr val="tx1"/>
+                </a:solidFill>
+                <a:ln>
+                  <a:noFill/>
+                </a:ln>
+              </p:spPr>
+              <p:style>
+                <a:lnRef idx="2">
+                  <a:schemeClr val="accent1">
+                    <a:shade val="50000"/>
+                  </a:schemeClr>
+                </a:lnRef>
+                <a:fillRef idx="1">
+                  <a:schemeClr val="accent1"/>
+                </a:fillRef>
+                <a:effectRef idx="0">
+                  <a:schemeClr val="accent1"/>
+                </a:effectRef>
+                <a:fontRef idx="minor">
+                  <a:schemeClr val="lt1"/>
+                </a:fontRef>
+              </p:style>
+              <p:txBody>
+                <a:bodyPr rtlCol="0" anchor="ctr"/>
+                <a:lstStyle/>
+                <a:p>
+                  <a:pPr algn="ctr"/>
+                  <a:endParaRPr lang="en-US"/>
+                </a:p>
+              </p:txBody>
+            </p:sp>
+            <p:sp>
+              <p:nvSpPr>
+                <p:cNvPr id="31" name="楕円 30"/>
+                <p:cNvSpPr>
+                  <a:spLocks noChangeAspect="1"/>
+                </p:cNvSpPr>
+                <p:nvPr/>
+              </p:nvSpPr>
+              <p:spPr>
+                <a:xfrm>
+                  <a:off x="7669727" y="3011304"/>
+                  <a:ext cx="288003" cy="288003"/>
+                </a:xfrm>
+                <a:prstGeom prst="ellipse">
+                  <a:avLst/>
+                </a:prstGeom>
+                <a:solidFill>
+                  <a:schemeClr val="tx1"/>
+                </a:solidFill>
+                <a:ln>
+                  <a:noFill/>
+                </a:ln>
+              </p:spPr>
+              <p:style>
+                <a:lnRef idx="2">
+                  <a:schemeClr val="accent1">
+                    <a:shade val="50000"/>
+                  </a:schemeClr>
+                </a:lnRef>
+                <a:fillRef idx="1">
+                  <a:schemeClr val="accent1"/>
+                </a:fillRef>
+                <a:effectRef idx="0">
+                  <a:schemeClr val="accent1"/>
+                </a:effectRef>
+                <a:fontRef idx="minor">
+                  <a:schemeClr val="lt1"/>
+                </a:fontRef>
+              </p:style>
+              <p:txBody>
+                <a:bodyPr rtlCol="0" anchor="ctr"/>
+                <a:lstStyle/>
+                <a:p>
+                  <a:pPr algn="ctr"/>
+                  <a:endParaRPr lang="en-US"/>
+                </a:p>
+              </p:txBody>
+            </p:sp>
+          </p:grpSp>
         </p:grpSp>
+        <p:sp>
+          <p:nvSpPr>
+            <p:cNvPr id="3" name="正方形/長方形 2"/>
+            <p:cNvSpPr/>
+            <p:nvPr/>
+          </p:nvSpPr>
+          <p:spPr>
+            <a:xfrm>
+              <a:off x="2110882" y="4025877"/>
+              <a:ext cx="5807487" cy="446276"/>
+            </a:xfrm>
+            <a:prstGeom prst="rect">
+              <a:avLst/>
+            </a:prstGeom>
+          </p:spPr>
+          <p:txBody>
+            <a:bodyPr wrap="none">
+              <a:spAutoFit/>
+            </a:bodyPr>
+            <a:lstStyle/>
+            <a:p>
+              <a:pPr algn="ctr"/>
+              <a:r>
+                <a:rPr lang="en-US" sz="2300" dirty="0">
+                  <a:latin typeface="Segoe UI Semibold" panose="020B0702040204020203" pitchFamily="34" charset="0"/>
+                  <a:cs typeface="Segoe UI Semibold" panose="020B0702040204020203" pitchFamily="34" charset="0"/>
+                </a:rPr>
+                <a:t>Control engineering </a:t>
+              </a:r>
+              <a:r>
+                <a:rPr lang="en-US" sz="2300" dirty="0" smtClean="0">
+                  <a:latin typeface="Segoe UI Semibold" panose="020B0702040204020203" pitchFamily="34" charset="0"/>
+                  <a:cs typeface="Segoe UI Semibold" panose="020B0702040204020203" pitchFamily="34" charset="0"/>
+                </a:rPr>
+                <a:t> </a:t>
+              </a:r>
+              <a:r>
+                <a:rPr lang="en-US" sz="2300" dirty="0" smtClean="0"/>
+                <a:t>x</a:t>
+              </a:r>
+              <a:r>
+                <a:rPr lang="en-US" sz="2300" dirty="0" smtClean="0">
+                  <a:latin typeface="Segoe UI Semibold" panose="020B0702040204020203" pitchFamily="34" charset="0"/>
+                  <a:cs typeface="Segoe UI Semibold" panose="020B0702040204020203" pitchFamily="34" charset="0"/>
+                </a:rPr>
+                <a:t>  Complex </a:t>
+              </a:r>
+              <a:r>
+                <a:rPr lang="en-US" sz="2300" dirty="0">
+                  <a:latin typeface="Segoe UI Semibold" panose="020B0702040204020203" pitchFamily="34" charset="0"/>
+                  <a:cs typeface="Segoe UI Semibold" panose="020B0702040204020203" pitchFamily="34" charset="0"/>
+                </a:rPr>
+                <a:t>networks</a:t>
+              </a:r>
+              <a:endParaRPr lang="en-US" sz="2300" dirty="0">
+                <a:latin typeface="Segoe UI Semibold" panose="020B0702040204020203" pitchFamily="34" charset="0"/>
+                <a:cs typeface="Segoe UI Semibold" panose="020B0702040204020203" pitchFamily="34" charset="0"/>
+              </a:endParaRPr>
+            </a:p>
+          </p:txBody>
+        </p:sp>
       </p:grpSp>
     </p:spTree>
     <p:extLst>
